--- a/Documentos_Proyecto/Presentacion de Proyecto.pptx
+++ b/Documentos_Proyecto/Presentacion de Proyecto.pptx
@@ -210,7 +210,7 @@
           <a:p>
             <a:fld id="{06CCE030-3650-4DF8-A94C-49E86708ABDD}" type="datetimeFigureOut">
               <a:rPr lang="es-CO" smtClean="0"/>
-              <a:t>5/04/2022</a:t>
+              <a:t>19/04/2023</a:t>
             </a:fld>
             <a:endParaRPr lang="es-CO"/>
           </a:p>
@@ -640,7 +640,7 @@
           <a:p>
             <a:fld id="{524C6359-9BB8-4148-8114-537E698DA205}" type="datetime1">
               <a:rPr lang="en-US" smtClean="0"/>
-              <a:t>4/5/2022</a:t>
+              <a:t>4/19/2023</a:t>
             </a:fld>
             <a:endParaRPr lang="en-US" dirty="0"/>
           </a:p>
@@ -717,7 +717,7 @@
                 <a16:creationId xmlns:a16="http://schemas.microsoft.com/office/drawing/2014/main" id="{51B01909-73B8-4486-A749-C643B1D7E361}"/>
               </a:ext>
               <a:ext uri="{C183D7F6-B498-43B3-948B-1728B52AA6E4}">
-                <adec:decorative xmlns:adec="http://schemas.microsoft.com/office/drawing/2017/decorative" xmlns="" val="1"/>
+                <adec:decorative xmlns:adec="http://schemas.microsoft.com/office/drawing/2017/decorative" val="1"/>
               </a:ext>
             </a:extLst>
           </p:cNvPr>
@@ -1700,7 +1700,7 @@
           <a:p>
             <a:fld id="{A4649BD0-10DB-43E7-8F22-40B3D51B8FC3}" type="datetime1">
               <a:rPr lang="en-US" smtClean="0"/>
-              <a:t>4/5/2022</a:t>
+              <a:t>4/19/2023</a:t>
             </a:fld>
             <a:endParaRPr lang="en-US" dirty="0"/>
           </a:p>
@@ -1768,7 +1768,7 @@
                 <a16:creationId xmlns:a16="http://schemas.microsoft.com/office/drawing/2014/main" id="{12EF7969-DB38-4989-A65C-9D190A245515}"/>
               </a:ext>
               <a:ext uri="{C183D7F6-B498-43B3-948B-1728B52AA6E4}">
-                <adec:decorative xmlns:adec="http://schemas.microsoft.com/office/drawing/2017/decorative" xmlns="" val="1"/>
+                <adec:decorative xmlns:adec="http://schemas.microsoft.com/office/drawing/2017/decorative" val="1"/>
               </a:ext>
             </a:extLst>
           </p:cNvPr>
@@ -2761,7 +2761,7 @@
           <a:p>
             <a:fld id="{0A16C79C-F566-427A-93F6-434A4E613134}" type="datetime1">
               <a:rPr lang="en-US" smtClean="0"/>
-              <a:t>4/5/2022</a:t>
+              <a:t>4/19/2023</a:t>
             </a:fld>
             <a:endParaRPr lang="en-US" dirty="0"/>
           </a:p>
@@ -2829,7 +2829,7 @@
                 <a16:creationId xmlns:a16="http://schemas.microsoft.com/office/drawing/2014/main" id="{588F505F-2957-41FC-9AAA-962853A6719E}"/>
               </a:ext>
               <a:ext uri="{C183D7F6-B498-43B3-948B-1728B52AA6E4}">
-                <adec:decorative xmlns:adec="http://schemas.microsoft.com/office/drawing/2017/decorative" xmlns="" val="1"/>
+                <adec:decorative xmlns:adec="http://schemas.microsoft.com/office/drawing/2017/decorative" val="1"/>
               </a:ext>
             </a:extLst>
           </p:cNvPr>
@@ -3817,7 +3817,7 @@
           <a:p>
             <a:fld id="{9376191F-481E-48E9-BB9A-369A67A7362D}" type="datetime1">
               <a:rPr lang="en-US" smtClean="0"/>
-              <a:t>4/5/2022</a:t>
+              <a:t>4/19/2023</a:t>
             </a:fld>
             <a:endParaRPr lang="en-US" dirty="0"/>
           </a:p>
@@ -3885,7 +3885,7 @@
                 <a16:creationId xmlns:a16="http://schemas.microsoft.com/office/drawing/2014/main" id="{AC552FEA-472E-4E74-B31D-531852C1908D}"/>
               </a:ext>
               <a:ext uri="{C183D7F6-B498-43B3-948B-1728B52AA6E4}">
-                <adec:decorative xmlns:adec="http://schemas.microsoft.com/office/drawing/2017/decorative" xmlns="" val="1"/>
+                <adec:decorative xmlns:adec="http://schemas.microsoft.com/office/drawing/2017/decorative" val="1"/>
               </a:ext>
             </a:extLst>
           </p:cNvPr>
@@ -4946,7 +4946,7 @@
           <a:p>
             <a:fld id="{6C5677DE-DD04-48CC-9C18-7BE9FF2DEB6B}" type="datetime1">
               <a:rPr lang="en-US" smtClean="0"/>
-              <a:t>4/5/2022</a:t>
+              <a:t>4/19/2023</a:t>
             </a:fld>
             <a:endParaRPr lang="en-US" dirty="0"/>
           </a:p>
@@ -5014,7 +5014,7 @@
                 <a16:creationId xmlns:a16="http://schemas.microsoft.com/office/drawing/2014/main" id="{37B4CDD2-E09A-418A-9131-FBDEE440A1F1}"/>
               </a:ext>
               <a:ext uri="{C183D7F6-B498-43B3-948B-1728B52AA6E4}">
-                <adec:decorative xmlns:adec="http://schemas.microsoft.com/office/drawing/2017/decorative" xmlns="" val="1"/>
+                <adec:decorative xmlns:adec="http://schemas.microsoft.com/office/drawing/2017/decorative" val="1"/>
               </a:ext>
             </a:extLst>
           </p:cNvPr>
@@ -6065,7 +6065,7 @@
           <a:p>
             <a:fld id="{463255ED-7101-4D18-A8AE-3B5E4CB87EA5}" type="datetime1">
               <a:rPr lang="en-US" smtClean="0"/>
-              <a:t>4/5/2022</a:t>
+              <a:t>4/19/2023</a:t>
             </a:fld>
             <a:endParaRPr lang="en-US" dirty="0"/>
           </a:p>
@@ -6133,7 +6133,7 @@
                 <a16:creationId xmlns:a16="http://schemas.microsoft.com/office/drawing/2014/main" id="{0CB61A83-9419-49FC-8074-2AB3D34FA88B}"/>
               </a:ext>
               <a:ext uri="{C183D7F6-B498-43B3-948B-1728B52AA6E4}">
-                <adec:decorative xmlns:adec="http://schemas.microsoft.com/office/drawing/2017/decorative" xmlns="" val="1"/>
+                <adec:decorative xmlns:adec="http://schemas.microsoft.com/office/drawing/2017/decorative" val="1"/>
               </a:ext>
             </a:extLst>
           </p:cNvPr>
@@ -7371,7 +7371,7 @@
           <a:p>
             <a:fld id="{CD52F23D-51F6-4C94-8CD5-B9ABBF67EE23}" type="datetime1">
               <a:rPr lang="en-US" smtClean="0"/>
-              <a:t>4/5/2022</a:t>
+              <a:t>4/19/2023</a:t>
             </a:fld>
             <a:endParaRPr lang="en-US" dirty="0"/>
           </a:p>
@@ -7518,7 +7518,7 @@
           <a:p>
             <a:fld id="{D51A702F-6367-4FD1-89A8-3744BE6BA9A2}" type="datetime1">
               <a:rPr lang="en-US" smtClean="0"/>
-              <a:t>4/5/2022</a:t>
+              <a:t>4/19/2023</a:t>
             </a:fld>
             <a:endParaRPr lang="en-US" dirty="0"/>
           </a:p>
@@ -7586,7 +7586,7 @@
                 <a16:creationId xmlns:a16="http://schemas.microsoft.com/office/drawing/2014/main" id="{AC45ECC6-E29C-40EF-A7C9-5A17DAFD4299}"/>
               </a:ext>
               <a:ext uri="{C183D7F6-B498-43B3-948B-1728B52AA6E4}">
-                <adec:decorative xmlns:adec="http://schemas.microsoft.com/office/drawing/2017/decorative" xmlns="" val="1"/>
+                <adec:decorative xmlns:adec="http://schemas.microsoft.com/office/drawing/2017/decorative" val="1"/>
               </a:ext>
             </a:extLst>
           </p:cNvPr>
@@ -8482,7 +8482,7 @@
           <a:p>
             <a:fld id="{4A6E99BD-4B4F-4460-B452-0E8146ACCF8F}" type="datetime1">
               <a:rPr lang="en-US" smtClean="0"/>
-              <a:t>4/5/2022</a:t>
+              <a:t>4/19/2023</a:t>
             </a:fld>
             <a:endParaRPr lang="en-US" dirty="0"/>
           </a:p>
@@ -8801,7 +8801,7 @@
           <a:p>
             <a:fld id="{EB6FD34C-1867-42A9-AC54-D15ADD8A65E7}" type="datetime1">
               <a:rPr lang="en-US" smtClean="0"/>
-              <a:t>4/5/2022</a:t>
+              <a:t>4/19/2023</a:t>
             </a:fld>
             <a:endParaRPr lang="en-US" dirty="0"/>
           </a:p>
@@ -8869,7 +8869,7 @@
                 <a16:creationId xmlns:a16="http://schemas.microsoft.com/office/drawing/2014/main" id="{839DB371-B90D-44CB-A4AF-C7BDBFD0A877}"/>
               </a:ext>
               <a:ext uri="{C183D7F6-B498-43B3-948B-1728B52AA6E4}">
-                <adec:decorative xmlns:adec="http://schemas.microsoft.com/office/drawing/2017/decorative" xmlns="" val="1"/>
+                <adec:decorative xmlns:adec="http://schemas.microsoft.com/office/drawing/2017/decorative" val="1"/>
               </a:ext>
             </a:extLst>
           </p:cNvPr>
@@ -9948,7 +9948,7 @@
           <a:p>
             <a:fld id="{336133E9-A654-4C17-8C3C-DDCAC83D6EBF}" type="datetime1">
               <a:rPr lang="en-US" smtClean="0"/>
-              <a:t>4/5/2022</a:t>
+              <a:t>4/19/2023</a:t>
             </a:fld>
             <a:endParaRPr lang="en-US" dirty="0"/>
           </a:p>
@@ -10016,7 +10016,7 @@
                 <a16:creationId xmlns:a16="http://schemas.microsoft.com/office/drawing/2014/main" id="{7627CBC2-9DC2-4EE8-A2D5-849E30F22017}"/>
               </a:ext>
               <a:ext uri="{C183D7F6-B498-43B3-948B-1728B52AA6E4}">
-                <adec:decorative xmlns:adec="http://schemas.microsoft.com/office/drawing/2017/decorative" xmlns="" val="1"/>
+                <adec:decorative xmlns:adec="http://schemas.microsoft.com/office/drawing/2017/decorative" val="1"/>
               </a:ext>
             </a:extLst>
           </p:cNvPr>
@@ -12358,7 +12358,7 @@
           <a:p>
             <a:fld id="{8769D389-4C4C-4FD7-9E6B-9F44477F0EB8}" type="datetime1">
               <a:rPr lang="en-US" smtClean="0"/>
-              <a:t>4/5/2022</a:t>
+              <a:t>4/19/2023</a:t>
             </a:fld>
             <a:endParaRPr lang="en-US" dirty="0"/>
           </a:p>
@@ -12794,7 +12794,7 @@
                 <a16:creationId xmlns:a16="http://schemas.microsoft.com/office/drawing/2014/main" id="{A5D0B0D3-D735-4619-AA45-B57B791E1744}"/>
               </a:ext>
               <a:ext uri="{C183D7F6-B498-43B3-948B-1728B52AA6E4}">
-                <adec:decorative xmlns:adec="http://schemas.microsoft.com/office/drawing/2017/decorative" xmlns="" val="1"/>
+                <adec:decorative xmlns:adec="http://schemas.microsoft.com/office/drawing/2017/decorative" val="1"/>
               </a:ext>
             </a:extLst>
           </p:cNvPr>
@@ -12898,7 +12898,7 @@
                 <a16:creationId xmlns:a16="http://schemas.microsoft.com/office/drawing/2014/main" id="{948AEA76-67F2-4344-A189-9BFFE0076388}"/>
               </a:ext>
               <a:ext uri="{C183D7F6-B498-43B3-948B-1728B52AA6E4}">
-                <adec:decorative xmlns:adec="http://schemas.microsoft.com/office/drawing/2017/decorative" xmlns="" val="1"/>
+                <adec:decorative xmlns:adec="http://schemas.microsoft.com/office/drawing/2017/decorative" val="1"/>
               </a:ext>
             </a:extLst>
           </p:cNvPr>
@@ -12976,7 +12976,7 @@
                 <a16:creationId xmlns:a16="http://schemas.microsoft.com/office/drawing/2014/main" id="{838456E0-BAD6-49AA-B7F3-846752A7EE0B}"/>
               </a:ext>
               <a:ext uri="{C183D7F6-B498-43B3-948B-1728B52AA6E4}">
-                <adec:decorative xmlns:adec="http://schemas.microsoft.com/office/drawing/2017/decorative" xmlns="" val="1"/>
+                <adec:decorative xmlns:adec="http://schemas.microsoft.com/office/drawing/2017/decorative" val="1"/>
               </a:ext>
             </a:extLst>
           </p:cNvPr>
@@ -13151,7 +13151,7 @@
                 <a16:creationId xmlns:a16="http://schemas.microsoft.com/office/drawing/2014/main" id="{DBBA0A0D-8F6A-400A-9E49-8C008E2C7DB1}"/>
               </a:ext>
               <a:ext uri="{C183D7F6-B498-43B3-948B-1728B52AA6E4}">
-                <adec:decorative xmlns:adec="http://schemas.microsoft.com/office/drawing/2017/decorative" xmlns="" val="1"/>
+                <adec:decorative xmlns:adec="http://schemas.microsoft.com/office/drawing/2017/decorative" val="1"/>
               </a:ext>
             </a:extLst>
           </p:cNvPr>
@@ -13185,7 +13185,7 @@
                   <a16:creationId xmlns:a16="http://schemas.microsoft.com/office/drawing/2014/main" id="{A5DD701E-4BC9-48E3-AF4F-013B52D63D4B}"/>
                 </a:ext>
                 <a:ext uri="{C183D7F6-B498-43B3-948B-1728B52AA6E4}">
-                  <adec:decorative xmlns:adec="http://schemas.microsoft.com/office/drawing/2017/decorative" xmlns="" val="1"/>
+                  <adec:decorative xmlns:adec="http://schemas.microsoft.com/office/drawing/2017/decorative" val="1"/>
                 </a:ext>
               </a:extLst>
             </p:cNvPr>
@@ -13256,7 +13256,7 @@
                   <a16:creationId xmlns:a16="http://schemas.microsoft.com/office/drawing/2014/main" id="{FB658B62-664D-4B3B-BBDA-235666290B4A}"/>
                 </a:ext>
                 <a:ext uri="{C183D7F6-B498-43B3-948B-1728B52AA6E4}">
-                  <adec:decorative xmlns:adec="http://schemas.microsoft.com/office/drawing/2017/decorative" xmlns="" val="1"/>
+                  <adec:decorative xmlns:adec="http://schemas.microsoft.com/office/drawing/2017/decorative" val="1"/>
                 </a:ext>
               </a:extLst>
             </p:cNvPr>
@@ -13286,7 +13286,7 @@
                     <a16:creationId xmlns:a16="http://schemas.microsoft.com/office/drawing/2014/main" id="{B11F9D25-67B1-4BDB-A290-97B93A19DFAE}"/>
                   </a:ext>
                   <a:ext uri="{C183D7F6-B498-43B3-948B-1728B52AA6E4}">
-                    <adec:decorative xmlns:adec="http://schemas.microsoft.com/office/drawing/2017/decorative" xmlns="" val="1"/>
+                    <adec:decorative xmlns:adec="http://schemas.microsoft.com/office/drawing/2017/decorative" val="1"/>
                   </a:ext>
                 </a:extLst>
               </p:cNvPr>
@@ -13370,7 +13370,7 @@
                     <a16:creationId xmlns:a16="http://schemas.microsoft.com/office/drawing/2014/main" id="{B9D5C40A-1B1B-4C25-9707-E8F1CF6EEC93}"/>
                   </a:ext>
                   <a:ext uri="{C183D7F6-B498-43B3-948B-1728B52AA6E4}">
-                    <adec:decorative xmlns:adec="http://schemas.microsoft.com/office/drawing/2017/decorative" xmlns="" val="1"/>
+                    <adec:decorative xmlns:adec="http://schemas.microsoft.com/office/drawing/2017/decorative" val="1"/>
                   </a:ext>
                 </a:extLst>
               </p:cNvPr>
@@ -13464,7 +13464,7 @@
                     <a16:creationId xmlns:a16="http://schemas.microsoft.com/office/drawing/2014/main" id="{2DD0C1D6-FF64-45AB-8775-83AB3C470B89}"/>
                   </a:ext>
                   <a:ext uri="{C183D7F6-B498-43B3-948B-1728B52AA6E4}">
-                    <adec:decorative xmlns:adec="http://schemas.microsoft.com/office/drawing/2017/decorative" xmlns="" val="1"/>
+                    <adec:decorative xmlns:adec="http://schemas.microsoft.com/office/drawing/2017/decorative" val="1"/>
                   </a:ext>
                 </a:extLst>
               </p:cNvPr>
@@ -13548,7 +13548,7 @@
                     <a16:creationId xmlns:a16="http://schemas.microsoft.com/office/drawing/2014/main" id="{15AFBB84-8485-4329-89FC-04663D985BA3}"/>
                   </a:ext>
                   <a:ext uri="{C183D7F6-B498-43B3-948B-1728B52AA6E4}">
-                    <adec:decorative xmlns:adec="http://schemas.microsoft.com/office/drawing/2017/decorative" xmlns="" val="1"/>
+                    <adec:decorative xmlns:adec="http://schemas.microsoft.com/office/drawing/2017/decorative" val="1"/>
                   </a:ext>
                 </a:extLst>
               </p:cNvPr>
@@ -14064,7 +14064,7 @@
                 <a16:creationId xmlns:a16="http://schemas.microsoft.com/office/drawing/2014/main" id="{ACFC1F4B-C7BE-44D2-8FA4-1CE2FCF06B0C}"/>
               </a:ext>
               <a:ext uri="{C183D7F6-B498-43B3-948B-1728B52AA6E4}">
-                <adec:decorative xmlns:adec="http://schemas.microsoft.com/office/drawing/2017/decorative" xmlns="" val="1"/>
+                <adec:decorative xmlns:adec="http://schemas.microsoft.com/office/drawing/2017/decorative" val="1"/>
               </a:ext>
             </a:extLst>
           </p:cNvPr>
@@ -14223,7 +14223,7 @@
                 <a16:creationId xmlns:a16="http://schemas.microsoft.com/office/drawing/2014/main" id="{BDA258B3-4238-403A-9CAC-51B872D45201}"/>
               </a:ext>
               <a:ext uri="{C183D7F6-B498-43B3-948B-1728B52AA6E4}">
-                <adec:decorative xmlns:adec="http://schemas.microsoft.com/office/drawing/2017/decorative" xmlns="" val="1"/>
+                <adec:decorative xmlns:adec="http://schemas.microsoft.com/office/drawing/2017/decorative" val="1"/>
               </a:ext>
             </a:extLst>
           </p:cNvPr>
@@ -14257,7 +14257,7 @@
                   <a16:creationId xmlns:a16="http://schemas.microsoft.com/office/drawing/2014/main" id="{03387491-1998-42A5-9172-2AEFC5500555}"/>
                 </a:ext>
                 <a:ext uri="{C183D7F6-B498-43B3-948B-1728B52AA6E4}">
-                  <adec:decorative xmlns:adec="http://schemas.microsoft.com/office/drawing/2017/decorative" xmlns="" val="1"/>
+                  <adec:decorative xmlns:adec="http://schemas.microsoft.com/office/drawing/2017/decorative" val="1"/>
                 </a:ext>
               </a:extLst>
             </p:cNvPr>
@@ -14424,7 +14424,7 @@
                   <a16:creationId xmlns:a16="http://schemas.microsoft.com/office/drawing/2014/main" id="{D9E1E611-F0D3-480F-8EAB-5501C1DBED2C}"/>
                 </a:ext>
                 <a:ext uri="{C183D7F6-B498-43B3-948B-1728B52AA6E4}">
-                  <adec:decorative xmlns:adec="http://schemas.microsoft.com/office/drawing/2017/decorative" xmlns="" val="1"/>
+                  <adec:decorative xmlns:adec="http://schemas.microsoft.com/office/drawing/2017/decorative" val="1"/>
                 </a:ext>
               </a:extLst>
             </p:cNvPr>
@@ -14601,7 +14601,7 @@
                   <a16:creationId xmlns:a16="http://schemas.microsoft.com/office/drawing/2014/main" id="{BB89B8F2-B71A-46C9-8992-CC8E36D1FFA9}"/>
                 </a:ext>
                 <a:ext uri="{C183D7F6-B498-43B3-948B-1728B52AA6E4}">
-                  <adec:decorative xmlns:adec="http://schemas.microsoft.com/office/drawing/2017/decorative" xmlns="" val="1"/>
+                  <adec:decorative xmlns:adec="http://schemas.microsoft.com/office/drawing/2017/decorative" val="1"/>
                 </a:ext>
               </a:extLst>
             </p:cNvPr>
@@ -14758,7 +14758,7 @@
                   <a16:creationId xmlns:a16="http://schemas.microsoft.com/office/drawing/2014/main" id="{F1B1692F-EBA9-47DC-9CFD-CEDDA87F64FA}"/>
                 </a:ext>
                 <a:ext uri="{C183D7F6-B498-43B3-948B-1728B52AA6E4}">
-                  <adec:decorative xmlns:adec="http://schemas.microsoft.com/office/drawing/2017/decorative" xmlns="" val="1"/>
+                  <adec:decorative xmlns:adec="http://schemas.microsoft.com/office/drawing/2017/decorative" val="1"/>
                 </a:ext>
               </a:extLst>
             </p:cNvPr>
@@ -14891,7 +14891,7 @@
                   <a16:creationId xmlns:a16="http://schemas.microsoft.com/office/drawing/2014/main" id="{8B7DD913-FF3C-455C-80A4-FF89CB58C4DF}"/>
                 </a:ext>
                 <a:ext uri="{C183D7F6-B498-43B3-948B-1728B52AA6E4}">
-                  <adec:decorative xmlns:adec="http://schemas.microsoft.com/office/drawing/2017/decorative" xmlns="" val="1"/>
+                  <adec:decorative xmlns:adec="http://schemas.microsoft.com/office/drawing/2017/decorative" val="1"/>
                 </a:ext>
               </a:extLst>
             </p:cNvPr>
@@ -15023,7 +15023,7 @@
                   <a16:creationId xmlns:a16="http://schemas.microsoft.com/office/drawing/2014/main" id="{F742A451-31F5-45C9-850A-0AE74A35F6F6}"/>
                 </a:ext>
                 <a:ext uri="{C183D7F6-B498-43B3-948B-1728B52AA6E4}">
-                  <adec:decorative xmlns:adec="http://schemas.microsoft.com/office/drawing/2017/decorative" xmlns="" val="1"/>
+                  <adec:decorative xmlns:adec="http://schemas.microsoft.com/office/drawing/2017/decorative" val="1"/>
                 </a:ext>
               </a:extLst>
             </p:cNvPr>
@@ -15155,7 +15155,7 @@
                   <a16:creationId xmlns:a16="http://schemas.microsoft.com/office/drawing/2014/main" id="{D2C596C3-466C-4D79-BAA3-F21C026078D2}"/>
                 </a:ext>
                 <a:ext uri="{C183D7F6-B498-43B3-948B-1728B52AA6E4}">
-                  <adec:decorative xmlns:adec="http://schemas.microsoft.com/office/drawing/2017/decorative" xmlns="" val="1"/>
+                  <adec:decorative xmlns:adec="http://schemas.microsoft.com/office/drawing/2017/decorative" val="1"/>
                 </a:ext>
               </a:extLst>
             </p:cNvPr>
@@ -15890,7 +15890,7 @@
           <a:p>
             <a:pPr algn="ctr"/>
             <a:r>
-              <a:rPr lang="es-ES" sz="4000" i="1" dirty="0" smtClean="0">
+              <a:rPr lang="es-ES" sz="4000" i="1" dirty="0">
                 <a:latin typeface="Modern Love Caps" panose="04070805081001020A01" pitchFamily="82" charset="0"/>
               </a:rPr>
               <a:t>DIAGRAMA DE CLASES</a:t>
@@ -16019,7 +16019,7 @@
           <a:p>
             <a:pPr algn="ctr"/>
             <a:r>
-              <a:rPr lang="es-ES" sz="4000" i="1" dirty="0" smtClean="0">
+              <a:rPr lang="es-ES" sz="4000" i="1" dirty="0">
                 <a:latin typeface="Modern Love Caps" panose="04070805081001020A01" pitchFamily="82" charset="0"/>
               </a:rPr>
               <a:t>DIAGRAMA DE DISTRIBUCIÓN</a:t>
@@ -16134,7 +16134,7 @@
                 <a16:creationId xmlns:a16="http://schemas.microsoft.com/office/drawing/2014/main" id="{435959F4-53DA-47FF-BC24-1E5B75C69876}"/>
               </a:ext>
               <a:ext uri="{C183D7F6-B498-43B3-948B-1728B52AA6E4}">
-                <adec:decorative xmlns:adec="http://schemas.microsoft.com/office/drawing/2017/decorative" xmlns="" val="1"/>
+                <adec:decorative xmlns:adec="http://schemas.microsoft.com/office/drawing/2017/decorative" val="1"/>
               </a:ext>
             </a:extLst>
           </p:cNvPr>
@@ -16294,7 +16294,7 @@
                 <a16:creationId xmlns:a16="http://schemas.microsoft.com/office/drawing/2014/main" id="{A7CF83E8-F6F0-41E3-B580-7412A04DDFB5}"/>
               </a:ext>
               <a:ext uri="{C183D7F6-B498-43B3-948B-1728B52AA6E4}">
-                <adec:decorative xmlns:adec="http://schemas.microsoft.com/office/drawing/2017/decorative" xmlns="" val="1"/>
+                <adec:decorative xmlns:adec="http://schemas.microsoft.com/office/drawing/2017/decorative" val="1"/>
               </a:ext>
             </a:extLst>
           </p:cNvPr>
@@ -16328,7 +16328,7 @@
                   <a16:creationId xmlns:a16="http://schemas.microsoft.com/office/drawing/2014/main" id="{1A0B6DBB-705D-48D0-842C-F9DFA7684D19}"/>
                 </a:ext>
                 <a:ext uri="{C183D7F6-B498-43B3-948B-1728B52AA6E4}">
-                  <adec:decorative xmlns:adec="http://schemas.microsoft.com/office/drawing/2017/decorative" xmlns="" val="1"/>
+                  <adec:decorative xmlns:adec="http://schemas.microsoft.com/office/drawing/2017/decorative" val="1"/>
                 </a:ext>
               </a:extLst>
             </p:cNvPr>
@@ -16495,7 +16495,7 @@
                   <a16:creationId xmlns:a16="http://schemas.microsoft.com/office/drawing/2014/main" id="{C194A764-16E1-4D0D-9357-76F80E6086C0}"/>
                 </a:ext>
                 <a:ext uri="{C183D7F6-B498-43B3-948B-1728B52AA6E4}">
-                  <adec:decorative xmlns:adec="http://schemas.microsoft.com/office/drawing/2017/decorative" xmlns="" val="1"/>
+                  <adec:decorative xmlns:adec="http://schemas.microsoft.com/office/drawing/2017/decorative" val="1"/>
                 </a:ext>
               </a:extLst>
             </p:cNvPr>
@@ -16672,7 +16672,7 @@
                   <a16:creationId xmlns:a16="http://schemas.microsoft.com/office/drawing/2014/main" id="{115B7F3F-A40D-4F24-8536-E2420B433211}"/>
                 </a:ext>
                 <a:ext uri="{C183D7F6-B498-43B3-948B-1728B52AA6E4}">
-                  <adec:decorative xmlns:adec="http://schemas.microsoft.com/office/drawing/2017/decorative" xmlns="" val="1"/>
+                  <adec:decorative xmlns:adec="http://schemas.microsoft.com/office/drawing/2017/decorative" val="1"/>
                 </a:ext>
               </a:extLst>
             </p:cNvPr>
@@ -16829,7 +16829,7 @@
                   <a16:creationId xmlns:a16="http://schemas.microsoft.com/office/drawing/2014/main" id="{CEF42844-A829-4ED2-A360-63BB2A7C45EE}"/>
                 </a:ext>
                 <a:ext uri="{C183D7F6-B498-43B3-948B-1728B52AA6E4}">
-                  <adec:decorative xmlns:adec="http://schemas.microsoft.com/office/drawing/2017/decorative" xmlns="" val="1"/>
+                  <adec:decorative xmlns:adec="http://schemas.microsoft.com/office/drawing/2017/decorative" val="1"/>
                 </a:ext>
               </a:extLst>
             </p:cNvPr>
@@ -16962,7 +16962,7 @@
                   <a16:creationId xmlns:a16="http://schemas.microsoft.com/office/drawing/2014/main" id="{57B23B52-A1C3-44EF-BC11-9094A0DA11AB}"/>
                 </a:ext>
                 <a:ext uri="{C183D7F6-B498-43B3-948B-1728B52AA6E4}">
-                  <adec:decorative xmlns:adec="http://schemas.microsoft.com/office/drawing/2017/decorative" xmlns="" val="1"/>
+                  <adec:decorative xmlns:adec="http://schemas.microsoft.com/office/drawing/2017/decorative" val="1"/>
                 </a:ext>
               </a:extLst>
             </p:cNvPr>
@@ -17094,7 +17094,7 @@
                   <a16:creationId xmlns:a16="http://schemas.microsoft.com/office/drawing/2014/main" id="{064E08E5-DA92-4CF2-A0BF-E341800227B2}"/>
                 </a:ext>
                 <a:ext uri="{C183D7F6-B498-43B3-948B-1728B52AA6E4}">
-                  <adec:decorative xmlns:adec="http://schemas.microsoft.com/office/drawing/2017/decorative" xmlns="" val="1"/>
+                  <adec:decorative xmlns:adec="http://schemas.microsoft.com/office/drawing/2017/decorative" val="1"/>
                 </a:ext>
               </a:extLst>
             </p:cNvPr>
@@ -17226,7 +17226,7 @@
                   <a16:creationId xmlns:a16="http://schemas.microsoft.com/office/drawing/2014/main" id="{7A222560-E657-4CAE-B667-7BE9E224B244}"/>
                 </a:ext>
                 <a:ext uri="{C183D7F6-B498-43B3-948B-1728B52AA6E4}">
-                  <adec:decorative xmlns:adec="http://schemas.microsoft.com/office/drawing/2017/decorative" xmlns="" val="1"/>
+                  <adec:decorative xmlns:adec="http://schemas.microsoft.com/office/drawing/2017/decorative" val="1"/>
                 </a:ext>
               </a:extLst>
             </p:cNvPr>
@@ -17395,7 +17395,7 @@
                 <a16:creationId xmlns:a16="http://schemas.microsoft.com/office/drawing/2014/main" id="{59226104-0061-4319-8237-9C001BF85D49}"/>
               </a:ext>
               <a:ext uri="{C183D7F6-B498-43B3-948B-1728B52AA6E4}">
-                <adec:decorative xmlns:adec="http://schemas.microsoft.com/office/drawing/2017/decorative" xmlns="" val="1"/>
+                <adec:decorative xmlns:adec="http://schemas.microsoft.com/office/drawing/2017/decorative" val="1"/>
               </a:ext>
             </a:extLst>
           </p:cNvPr>
@@ -17545,7 +17545,7 @@
                 <a16:creationId xmlns:a16="http://schemas.microsoft.com/office/drawing/2014/main" id="{AC552FEA-472E-4E74-B31D-531852C1908D}"/>
               </a:ext>
               <a:ext uri="{C183D7F6-B498-43B3-948B-1728B52AA6E4}">
-                <adec:decorative xmlns:adec="http://schemas.microsoft.com/office/drawing/2017/decorative" xmlns="" val="1"/>
+                <adec:decorative xmlns:adec="http://schemas.microsoft.com/office/drawing/2017/decorative" val="1"/>
               </a:ext>
             </a:extLst>
           </p:cNvPr>
@@ -17579,7 +17579,7 @@
                   <a16:creationId xmlns:a16="http://schemas.microsoft.com/office/drawing/2014/main" id="{41DF3078-C636-4776-A616-D5BF3BC280C9}"/>
                 </a:ext>
                 <a:ext uri="{C183D7F6-B498-43B3-948B-1728B52AA6E4}">
-                  <adec:decorative xmlns:adec="http://schemas.microsoft.com/office/drawing/2017/decorative" xmlns="" val="1"/>
+                  <adec:decorative xmlns:adec="http://schemas.microsoft.com/office/drawing/2017/decorative" val="1"/>
                 </a:ext>
               </a:extLst>
             </p:cNvPr>
@@ -17650,7 +17650,7 @@
                   <a16:creationId xmlns:a16="http://schemas.microsoft.com/office/drawing/2014/main" id="{0D1A27FA-1310-4BC3-A071-1566746B2FB1}"/>
                 </a:ext>
                 <a:ext uri="{C183D7F6-B498-43B3-948B-1728B52AA6E4}">
-                  <adec:decorative xmlns:adec="http://schemas.microsoft.com/office/drawing/2017/decorative" xmlns="" val="1"/>
+                  <adec:decorative xmlns:adec="http://schemas.microsoft.com/office/drawing/2017/decorative" val="1"/>
                 </a:ext>
               </a:extLst>
             </p:cNvPr>
@@ -17680,7 +17680,7 @@
                     <a16:creationId xmlns:a16="http://schemas.microsoft.com/office/drawing/2014/main" id="{99ACB9EB-84FE-4B33-9EF9-4EC7DAC25DD5}"/>
                   </a:ext>
                   <a:ext uri="{C183D7F6-B498-43B3-948B-1728B52AA6E4}">
-                    <adec:decorative xmlns:adec="http://schemas.microsoft.com/office/drawing/2017/decorative" xmlns="" val="1"/>
+                    <adec:decorative xmlns:adec="http://schemas.microsoft.com/office/drawing/2017/decorative" val="1"/>
                   </a:ext>
                 </a:extLst>
               </p:cNvPr>
@@ -17764,7 +17764,7 @@
                     <a16:creationId xmlns:a16="http://schemas.microsoft.com/office/drawing/2014/main" id="{826E5EFB-0EF9-4DB8-99CB-5DD72009DB2C}"/>
                   </a:ext>
                   <a:ext uri="{C183D7F6-B498-43B3-948B-1728B52AA6E4}">
-                    <adec:decorative xmlns:adec="http://schemas.microsoft.com/office/drawing/2017/decorative" xmlns="" val="1"/>
+                    <adec:decorative xmlns:adec="http://schemas.microsoft.com/office/drawing/2017/decorative" val="1"/>
                   </a:ext>
                 </a:extLst>
               </p:cNvPr>
@@ -17858,7 +17858,7 @@
                     <a16:creationId xmlns:a16="http://schemas.microsoft.com/office/drawing/2014/main" id="{86238E12-0689-4123-8B2E-E1CCFCC4C882}"/>
                   </a:ext>
                   <a:ext uri="{C183D7F6-B498-43B3-948B-1728B52AA6E4}">
-                    <adec:decorative xmlns:adec="http://schemas.microsoft.com/office/drawing/2017/decorative" xmlns="" val="1"/>
+                    <adec:decorative xmlns:adec="http://schemas.microsoft.com/office/drawing/2017/decorative" val="1"/>
                   </a:ext>
                 </a:extLst>
               </p:cNvPr>
@@ -17942,7 +17942,7 @@
                     <a16:creationId xmlns:a16="http://schemas.microsoft.com/office/drawing/2014/main" id="{8538CF67-A00E-4955-A447-001BE02E771A}"/>
                   </a:ext>
                   <a:ext uri="{C183D7F6-B498-43B3-948B-1728B52AA6E4}">
-                    <adec:decorative xmlns:adec="http://schemas.microsoft.com/office/drawing/2017/decorative" xmlns="" val="1"/>
+                    <adec:decorative xmlns:adec="http://schemas.microsoft.com/office/drawing/2017/decorative" val="1"/>
                   </a:ext>
                 </a:extLst>
               </p:cNvPr>
@@ -18458,7 +18458,7 @@
                 <a16:creationId xmlns:a16="http://schemas.microsoft.com/office/drawing/2014/main" id="{142D98E1-37D2-4470-BF74-845E897954C6}"/>
               </a:ext>
               <a:ext uri="{C183D7F6-B498-43B3-948B-1728B52AA6E4}">
-                <adec:decorative xmlns:adec="http://schemas.microsoft.com/office/drawing/2017/decorative" xmlns="" val="1"/>
+                <adec:decorative xmlns:adec="http://schemas.microsoft.com/office/drawing/2017/decorative" val="1"/>
               </a:ext>
             </a:extLst>
           </p:cNvPr>
@@ -18533,7 +18533,7 @@
                 <a16:creationId xmlns:a16="http://schemas.microsoft.com/office/drawing/2014/main" id="{E9BFB270-A887-4B62-B243-50F92509AD58}"/>
               </a:ext>
               <a:ext uri="{C183D7F6-B498-43B3-948B-1728B52AA6E4}">
-                <adec:decorative xmlns:adec="http://schemas.microsoft.com/office/drawing/2017/decorative" xmlns="" val="1"/>
+                <adec:decorative xmlns:adec="http://schemas.microsoft.com/office/drawing/2017/decorative" val="1"/>
               </a:ext>
             </a:extLst>
           </p:cNvPr>
@@ -18683,7 +18683,7 @@
                 <a16:creationId xmlns:a16="http://schemas.microsoft.com/office/drawing/2014/main" id="{2EDC2578-BDB0-4118-975D-CFCE02823D48}"/>
               </a:ext>
               <a:ext uri="{C183D7F6-B498-43B3-948B-1728B52AA6E4}">
-                <adec:decorative xmlns:adec="http://schemas.microsoft.com/office/drawing/2017/decorative" xmlns="" val="1"/>
+                <adec:decorative xmlns:adec="http://schemas.microsoft.com/office/drawing/2017/decorative" val="1"/>
               </a:ext>
             </a:extLst>
           </p:cNvPr>
@@ -18717,7 +18717,7 @@
                   <a16:creationId xmlns:a16="http://schemas.microsoft.com/office/drawing/2014/main" id="{FB6536F0-4A9C-46C9-96E9-22CBB33E6126}"/>
                 </a:ext>
                 <a:ext uri="{C183D7F6-B498-43B3-948B-1728B52AA6E4}">
-                  <adec:decorative xmlns:adec="http://schemas.microsoft.com/office/drawing/2017/decorative" xmlns="" val="1"/>
+                  <adec:decorative xmlns:adec="http://schemas.microsoft.com/office/drawing/2017/decorative" val="1"/>
                 </a:ext>
               </a:extLst>
             </p:cNvPr>
@@ -18788,7 +18788,7 @@
                   <a16:creationId xmlns:a16="http://schemas.microsoft.com/office/drawing/2014/main" id="{DFD6A33A-F889-42D7-ADC2-DD9B88DF060D}"/>
                 </a:ext>
                 <a:ext uri="{C183D7F6-B498-43B3-948B-1728B52AA6E4}">
-                  <adec:decorative xmlns:adec="http://schemas.microsoft.com/office/drawing/2017/decorative" xmlns="" val="1"/>
+                  <adec:decorative xmlns:adec="http://schemas.microsoft.com/office/drawing/2017/decorative" val="1"/>
                 </a:ext>
               </a:extLst>
             </p:cNvPr>
@@ -18818,7 +18818,7 @@
                     <a16:creationId xmlns:a16="http://schemas.microsoft.com/office/drawing/2014/main" id="{C375AFD7-9E86-4D19-B86E-C936D33B0D40}"/>
                   </a:ext>
                   <a:ext uri="{C183D7F6-B498-43B3-948B-1728B52AA6E4}">
-                    <adec:decorative xmlns:adec="http://schemas.microsoft.com/office/drawing/2017/decorative" xmlns="" val="1"/>
+                    <adec:decorative xmlns:adec="http://schemas.microsoft.com/office/drawing/2017/decorative" val="1"/>
                   </a:ext>
                 </a:extLst>
               </p:cNvPr>
@@ -18902,7 +18902,7 @@
                     <a16:creationId xmlns:a16="http://schemas.microsoft.com/office/drawing/2014/main" id="{4102C78E-31A2-4DB3-8790-415EB0B48A75}"/>
                   </a:ext>
                   <a:ext uri="{C183D7F6-B498-43B3-948B-1728B52AA6E4}">
-                    <adec:decorative xmlns:adec="http://schemas.microsoft.com/office/drawing/2017/decorative" xmlns="" val="1"/>
+                    <adec:decorative xmlns:adec="http://schemas.microsoft.com/office/drawing/2017/decorative" val="1"/>
                   </a:ext>
                 </a:extLst>
               </p:cNvPr>
@@ -18996,7 +18996,7 @@
                     <a16:creationId xmlns:a16="http://schemas.microsoft.com/office/drawing/2014/main" id="{4F3E144D-8167-438A-B67F-50F5D9C0C3D4}"/>
                   </a:ext>
                   <a:ext uri="{C183D7F6-B498-43B3-948B-1728B52AA6E4}">
-                    <adec:decorative xmlns:adec="http://schemas.microsoft.com/office/drawing/2017/decorative" xmlns="" val="1"/>
+                    <adec:decorative xmlns:adec="http://schemas.microsoft.com/office/drawing/2017/decorative" val="1"/>
                   </a:ext>
                 </a:extLst>
               </p:cNvPr>
@@ -19080,7 +19080,7 @@
                     <a16:creationId xmlns:a16="http://schemas.microsoft.com/office/drawing/2014/main" id="{4BE2135F-02C1-449F-B195-232E9AFDD6CB}"/>
                   </a:ext>
                   <a:ext uri="{C183D7F6-B498-43B3-948B-1728B52AA6E4}">
-                    <adec:decorative xmlns:adec="http://schemas.microsoft.com/office/drawing/2017/decorative" xmlns="" val="1"/>
+                    <adec:decorative xmlns:adec="http://schemas.microsoft.com/office/drawing/2017/decorative" val="1"/>
                   </a:ext>
                 </a:extLst>
               </p:cNvPr>
@@ -19596,7 +19596,7 @@
                 <a16:creationId xmlns:a16="http://schemas.microsoft.com/office/drawing/2014/main" id="{E1BEDD21-8CC9-4E04-B8CF-CE59786DFB3A}"/>
               </a:ext>
               <a:ext uri="{C183D7F6-B498-43B3-948B-1728B52AA6E4}">
-                <adec:decorative xmlns:adec="http://schemas.microsoft.com/office/drawing/2017/decorative" xmlns="" val="1"/>
+                <adec:decorative xmlns:adec="http://schemas.microsoft.com/office/drawing/2017/decorative" val="1"/>
               </a:ext>
             </a:extLst>
           </p:cNvPr>
@@ -19755,7 +19755,7 @@
                 <a16:creationId xmlns:a16="http://schemas.microsoft.com/office/drawing/2014/main" id="{3B108AF4-088E-4064-B983-46D04AE2E231}"/>
               </a:ext>
               <a:ext uri="{C183D7F6-B498-43B3-948B-1728B52AA6E4}">
-                <adec:decorative xmlns:adec="http://schemas.microsoft.com/office/drawing/2017/decorative" xmlns="" val="1"/>
+                <adec:decorative xmlns:adec="http://schemas.microsoft.com/office/drawing/2017/decorative" val="1"/>
               </a:ext>
             </a:extLst>
           </p:cNvPr>
@@ -19792,7 +19792,7 @@
                   <a16:creationId xmlns:a16="http://schemas.microsoft.com/office/drawing/2014/main" id="{B0072F45-87A5-41AF-8A5F-AA1169606F08}"/>
                 </a:ext>
                 <a:ext uri="{C183D7F6-B498-43B3-948B-1728B52AA6E4}">
-                  <adec:decorative xmlns:adec="http://schemas.microsoft.com/office/drawing/2017/decorative" xmlns="" val="1"/>
+                  <adec:decorative xmlns:adec="http://schemas.microsoft.com/office/drawing/2017/decorative" val="1"/>
                 </a:ext>
               </a:extLst>
             </p:cNvPr>
@@ -19959,7 +19959,7 @@
                   <a16:creationId xmlns:a16="http://schemas.microsoft.com/office/drawing/2014/main" id="{39543D5C-6314-4A56-96D8-66138F7ADCAA}"/>
                 </a:ext>
                 <a:ext uri="{C183D7F6-B498-43B3-948B-1728B52AA6E4}">
-                  <adec:decorative xmlns:adec="http://schemas.microsoft.com/office/drawing/2017/decorative" xmlns="" val="1"/>
+                  <adec:decorative xmlns:adec="http://schemas.microsoft.com/office/drawing/2017/decorative" val="1"/>
                 </a:ext>
               </a:extLst>
             </p:cNvPr>
@@ -20136,7 +20136,7 @@
                   <a16:creationId xmlns:a16="http://schemas.microsoft.com/office/drawing/2014/main" id="{43B17B08-2B11-4A2F-9E2C-DE23C72503B6}"/>
                 </a:ext>
                 <a:ext uri="{C183D7F6-B498-43B3-948B-1728B52AA6E4}">
-                  <adec:decorative xmlns:adec="http://schemas.microsoft.com/office/drawing/2017/decorative" xmlns="" val="1"/>
+                  <adec:decorative xmlns:adec="http://schemas.microsoft.com/office/drawing/2017/decorative" val="1"/>
                 </a:ext>
               </a:extLst>
             </p:cNvPr>
@@ -20293,7 +20293,7 @@
                   <a16:creationId xmlns:a16="http://schemas.microsoft.com/office/drawing/2014/main" id="{1C07DBD2-276A-4A72-BF25-6FB2FCD05A64}"/>
                 </a:ext>
                 <a:ext uri="{C183D7F6-B498-43B3-948B-1728B52AA6E4}">
-                  <adec:decorative xmlns:adec="http://schemas.microsoft.com/office/drawing/2017/decorative" xmlns="" val="1"/>
+                  <adec:decorative xmlns:adec="http://schemas.microsoft.com/office/drawing/2017/decorative" val="1"/>
                 </a:ext>
               </a:extLst>
             </p:cNvPr>
@@ -20426,7 +20426,7 @@
                   <a16:creationId xmlns:a16="http://schemas.microsoft.com/office/drawing/2014/main" id="{C354B108-DB71-4484-8743-68C8D5030794}"/>
                 </a:ext>
                 <a:ext uri="{C183D7F6-B498-43B3-948B-1728B52AA6E4}">
-                  <adec:decorative xmlns:adec="http://schemas.microsoft.com/office/drawing/2017/decorative" xmlns="" val="1"/>
+                  <adec:decorative xmlns:adec="http://schemas.microsoft.com/office/drawing/2017/decorative" val="1"/>
                 </a:ext>
               </a:extLst>
             </p:cNvPr>
@@ -20558,7 +20558,7 @@
                   <a16:creationId xmlns:a16="http://schemas.microsoft.com/office/drawing/2014/main" id="{C50B8508-ED23-4F52-B6D0-18C4EFC54E15}"/>
                 </a:ext>
                 <a:ext uri="{C183D7F6-B498-43B3-948B-1728B52AA6E4}">
-                  <adec:decorative xmlns:adec="http://schemas.microsoft.com/office/drawing/2017/decorative" xmlns="" val="1"/>
+                  <adec:decorative xmlns:adec="http://schemas.microsoft.com/office/drawing/2017/decorative" val="1"/>
                 </a:ext>
               </a:extLst>
             </p:cNvPr>
@@ -20690,7 +20690,7 @@
                   <a16:creationId xmlns:a16="http://schemas.microsoft.com/office/drawing/2014/main" id="{37C296D5-FE18-49F2-BECF-3BBFD7834B02}"/>
                 </a:ext>
                 <a:ext uri="{C183D7F6-B498-43B3-948B-1728B52AA6E4}">
-                  <adec:decorative xmlns:adec="http://schemas.microsoft.com/office/drawing/2017/decorative" xmlns="" val="1"/>
+                  <adec:decorative xmlns:adec="http://schemas.microsoft.com/office/drawing/2017/decorative" val="1"/>
                 </a:ext>
               </a:extLst>
             </p:cNvPr>
@@ -20876,7 +20876,7 @@
         </p:spPr>
         <p:txBody>
           <a:bodyPr vert="horz" lIns="91440" tIns="45720" rIns="91440" bIns="45720" rtlCol="0">
-            <a:normAutofit fontScale="77500" lnSpcReduction="20000"/>
+            <a:normAutofit fontScale="85000" lnSpcReduction="20000"/>
           </a:bodyPr>
           <a:lstStyle>
             <a:lvl1pPr marL="0" indent="0" algn="l" defTabSz="914400" rtl="0" eaLnBrk="1" latinLnBrk="0" hangingPunct="1">
@@ -21170,7 +21170,7 @@
                 <a:latin typeface="Segoe UI" panose="020B0502040204020203" pitchFamily="34" charset="0"/>
                 <a:cs typeface="Segoe UI" panose="020B0502040204020203" pitchFamily="34" charset="0"/>
               </a:rPr>
-              <a:t>EIDER STEVEN PEÑA FANDIÑO </a:t>
+              <a:t>PAULA STEFANIA HERNÁNDEZ GALVIS </a:t>
             </a:r>
           </a:p>
           <a:p>
@@ -21183,29 +21183,8 @@
                 <a:latin typeface="Segoe UI" panose="020B0502040204020203" pitchFamily="34" charset="0"/>
                 <a:cs typeface="Segoe UI" panose="020B0502040204020203" pitchFamily="34" charset="0"/>
               </a:rPr>
-              <a:t>PAULA STEFANIA HERNÁNDEZ GALVIS </a:t>
-            </a:r>
-            <a:endParaRPr lang="en-US" sz="2300" dirty="0" smtClean="0">
-              <a:latin typeface="Segoe UI" panose="020B0502040204020203" pitchFamily="34" charset="0"/>
-              <a:cs typeface="Segoe UI" panose="020B0502040204020203" pitchFamily="34" charset="0"/>
-            </a:endParaRPr>
-          </a:p>
-          <a:p>
-            <a:pPr indent="-228600">
-              <a:buFont typeface="Arial" panose="020B0604020202020204" pitchFamily="34" charset="0"/>
-              <a:buChar char="•"/>
-            </a:pPr>
-            <a:r>
-              <a:rPr lang="en-US" sz="2300" dirty="0" smtClean="0">
-                <a:latin typeface="Segoe UI" panose="020B0502040204020203" pitchFamily="34" charset="0"/>
-                <a:cs typeface="Segoe UI" panose="020B0502040204020203" pitchFamily="34" charset="0"/>
-              </a:rPr>
               <a:t>JESSICA BENAVIDES</a:t>
             </a:r>
-            <a:endParaRPr lang="en-US" sz="2300" dirty="0">
-              <a:latin typeface="Segoe UI" panose="020B0502040204020203" pitchFamily="34" charset="0"/>
-              <a:cs typeface="Segoe UI" panose="020B0502040204020203" pitchFamily="34" charset="0"/>
-            </a:endParaRPr>
           </a:p>
           <a:p>
             <a:pPr fontAlgn="base">
@@ -21370,7 +21349,7 @@
                 <a16:creationId xmlns:a16="http://schemas.microsoft.com/office/drawing/2014/main" id="{435959F4-53DA-47FF-BC24-1E5B75C69876}"/>
               </a:ext>
               <a:ext uri="{C183D7F6-B498-43B3-948B-1728B52AA6E4}">
-                <adec:decorative xmlns:adec="http://schemas.microsoft.com/office/drawing/2017/decorative" xmlns="" val="1"/>
+                <adec:decorative xmlns:adec="http://schemas.microsoft.com/office/drawing/2017/decorative" val="1"/>
               </a:ext>
             </a:extLst>
           </p:cNvPr>
@@ -21530,7 +21509,7 @@
                 <a16:creationId xmlns:a16="http://schemas.microsoft.com/office/drawing/2014/main" id="{A7CF83E8-F6F0-41E3-B580-7412A04DDFB5}"/>
               </a:ext>
               <a:ext uri="{C183D7F6-B498-43B3-948B-1728B52AA6E4}">
-                <adec:decorative xmlns:adec="http://schemas.microsoft.com/office/drawing/2017/decorative" xmlns="" val="1"/>
+                <adec:decorative xmlns:adec="http://schemas.microsoft.com/office/drawing/2017/decorative" val="1"/>
               </a:ext>
             </a:extLst>
           </p:cNvPr>
@@ -21564,7 +21543,7 @@
                   <a16:creationId xmlns:a16="http://schemas.microsoft.com/office/drawing/2014/main" id="{1A0B6DBB-705D-48D0-842C-F9DFA7684D19}"/>
                 </a:ext>
                 <a:ext uri="{C183D7F6-B498-43B3-948B-1728B52AA6E4}">
-                  <adec:decorative xmlns:adec="http://schemas.microsoft.com/office/drawing/2017/decorative" xmlns="" val="1"/>
+                  <adec:decorative xmlns:adec="http://schemas.microsoft.com/office/drawing/2017/decorative" val="1"/>
                 </a:ext>
               </a:extLst>
             </p:cNvPr>
@@ -21731,7 +21710,7 @@
                   <a16:creationId xmlns:a16="http://schemas.microsoft.com/office/drawing/2014/main" id="{C194A764-16E1-4D0D-9357-76F80E6086C0}"/>
                 </a:ext>
                 <a:ext uri="{C183D7F6-B498-43B3-948B-1728B52AA6E4}">
-                  <adec:decorative xmlns:adec="http://schemas.microsoft.com/office/drawing/2017/decorative" xmlns="" val="1"/>
+                  <adec:decorative xmlns:adec="http://schemas.microsoft.com/office/drawing/2017/decorative" val="1"/>
                 </a:ext>
               </a:extLst>
             </p:cNvPr>
@@ -21908,7 +21887,7 @@
                   <a16:creationId xmlns:a16="http://schemas.microsoft.com/office/drawing/2014/main" id="{115B7F3F-A40D-4F24-8536-E2420B433211}"/>
                 </a:ext>
                 <a:ext uri="{C183D7F6-B498-43B3-948B-1728B52AA6E4}">
-                  <adec:decorative xmlns:adec="http://schemas.microsoft.com/office/drawing/2017/decorative" xmlns="" val="1"/>
+                  <adec:decorative xmlns:adec="http://schemas.microsoft.com/office/drawing/2017/decorative" val="1"/>
                 </a:ext>
               </a:extLst>
             </p:cNvPr>
@@ -22065,7 +22044,7 @@
                   <a16:creationId xmlns:a16="http://schemas.microsoft.com/office/drawing/2014/main" id="{CEF42844-A829-4ED2-A360-63BB2A7C45EE}"/>
                 </a:ext>
                 <a:ext uri="{C183D7F6-B498-43B3-948B-1728B52AA6E4}">
-                  <adec:decorative xmlns:adec="http://schemas.microsoft.com/office/drawing/2017/decorative" xmlns="" val="1"/>
+                  <adec:decorative xmlns:adec="http://schemas.microsoft.com/office/drawing/2017/decorative" val="1"/>
                 </a:ext>
               </a:extLst>
             </p:cNvPr>
@@ -22198,7 +22177,7 @@
                   <a16:creationId xmlns:a16="http://schemas.microsoft.com/office/drawing/2014/main" id="{57B23B52-A1C3-44EF-BC11-9094A0DA11AB}"/>
                 </a:ext>
                 <a:ext uri="{C183D7F6-B498-43B3-948B-1728B52AA6E4}">
-                  <adec:decorative xmlns:adec="http://schemas.microsoft.com/office/drawing/2017/decorative" xmlns="" val="1"/>
+                  <adec:decorative xmlns:adec="http://schemas.microsoft.com/office/drawing/2017/decorative" val="1"/>
                 </a:ext>
               </a:extLst>
             </p:cNvPr>
@@ -22330,7 +22309,7 @@
                   <a16:creationId xmlns:a16="http://schemas.microsoft.com/office/drawing/2014/main" id="{064E08E5-DA92-4CF2-A0BF-E341800227B2}"/>
                 </a:ext>
                 <a:ext uri="{C183D7F6-B498-43B3-948B-1728B52AA6E4}">
-                  <adec:decorative xmlns:adec="http://schemas.microsoft.com/office/drawing/2017/decorative" xmlns="" val="1"/>
+                  <adec:decorative xmlns:adec="http://schemas.microsoft.com/office/drawing/2017/decorative" val="1"/>
                 </a:ext>
               </a:extLst>
             </p:cNvPr>
@@ -22462,7 +22441,7 @@
                   <a16:creationId xmlns:a16="http://schemas.microsoft.com/office/drawing/2014/main" id="{7A222560-E657-4CAE-B667-7BE9E224B244}"/>
                 </a:ext>
                 <a:ext uri="{C183D7F6-B498-43B3-948B-1728B52AA6E4}">
-                  <adec:decorative xmlns:adec="http://schemas.microsoft.com/office/drawing/2017/decorative" xmlns="" val="1"/>
+                  <adec:decorative xmlns:adec="http://schemas.microsoft.com/office/drawing/2017/decorative" val="1"/>
                 </a:ext>
               </a:extLst>
             </p:cNvPr>
@@ -22631,7 +22610,7 @@
                 <a16:creationId xmlns:a16="http://schemas.microsoft.com/office/drawing/2014/main" id="{59226104-0061-4319-8237-9C001BF85D49}"/>
               </a:ext>
               <a:ext uri="{C183D7F6-B498-43B3-948B-1728B52AA6E4}">
-                <adec:decorative xmlns:adec="http://schemas.microsoft.com/office/drawing/2017/decorative" xmlns="" val="1"/>
+                <adec:decorative xmlns:adec="http://schemas.microsoft.com/office/drawing/2017/decorative" val="1"/>
               </a:ext>
             </a:extLst>
           </p:cNvPr>
@@ -22781,7 +22760,7 @@
                 <a16:creationId xmlns:a16="http://schemas.microsoft.com/office/drawing/2014/main" id="{AC552FEA-472E-4E74-B31D-531852C1908D}"/>
               </a:ext>
               <a:ext uri="{C183D7F6-B498-43B3-948B-1728B52AA6E4}">
-                <adec:decorative xmlns:adec="http://schemas.microsoft.com/office/drawing/2017/decorative" xmlns="" val="1"/>
+                <adec:decorative xmlns:adec="http://schemas.microsoft.com/office/drawing/2017/decorative" val="1"/>
               </a:ext>
             </a:extLst>
           </p:cNvPr>
@@ -22815,7 +22794,7 @@
                   <a16:creationId xmlns:a16="http://schemas.microsoft.com/office/drawing/2014/main" id="{41DF3078-C636-4776-A616-D5BF3BC280C9}"/>
                 </a:ext>
                 <a:ext uri="{C183D7F6-B498-43B3-948B-1728B52AA6E4}">
-                  <adec:decorative xmlns:adec="http://schemas.microsoft.com/office/drawing/2017/decorative" xmlns="" val="1"/>
+                  <adec:decorative xmlns:adec="http://schemas.microsoft.com/office/drawing/2017/decorative" val="1"/>
                 </a:ext>
               </a:extLst>
             </p:cNvPr>
@@ -22886,7 +22865,7 @@
                   <a16:creationId xmlns:a16="http://schemas.microsoft.com/office/drawing/2014/main" id="{0D1A27FA-1310-4BC3-A071-1566746B2FB1}"/>
                 </a:ext>
                 <a:ext uri="{C183D7F6-B498-43B3-948B-1728B52AA6E4}">
-                  <adec:decorative xmlns:adec="http://schemas.microsoft.com/office/drawing/2017/decorative" xmlns="" val="1"/>
+                  <adec:decorative xmlns:adec="http://schemas.microsoft.com/office/drawing/2017/decorative" val="1"/>
                 </a:ext>
               </a:extLst>
             </p:cNvPr>
@@ -22916,7 +22895,7 @@
                     <a16:creationId xmlns:a16="http://schemas.microsoft.com/office/drawing/2014/main" id="{99ACB9EB-84FE-4B33-9EF9-4EC7DAC25DD5}"/>
                   </a:ext>
                   <a:ext uri="{C183D7F6-B498-43B3-948B-1728B52AA6E4}">
-                    <adec:decorative xmlns:adec="http://schemas.microsoft.com/office/drawing/2017/decorative" xmlns="" val="1"/>
+                    <adec:decorative xmlns:adec="http://schemas.microsoft.com/office/drawing/2017/decorative" val="1"/>
                   </a:ext>
                 </a:extLst>
               </p:cNvPr>
@@ -23000,7 +22979,7 @@
                     <a16:creationId xmlns:a16="http://schemas.microsoft.com/office/drawing/2014/main" id="{826E5EFB-0EF9-4DB8-99CB-5DD72009DB2C}"/>
                   </a:ext>
                   <a:ext uri="{C183D7F6-B498-43B3-948B-1728B52AA6E4}">
-                    <adec:decorative xmlns:adec="http://schemas.microsoft.com/office/drawing/2017/decorative" xmlns="" val="1"/>
+                    <adec:decorative xmlns:adec="http://schemas.microsoft.com/office/drawing/2017/decorative" val="1"/>
                   </a:ext>
                 </a:extLst>
               </p:cNvPr>
@@ -23094,7 +23073,7 @@
                     <a16:creationId xmlns:a16="http://schemas.microsoft.com/office/drawing/2014/main" id="{86238E12-0689-4123-8B2E-E1CCFCC4C882}"/>
                   </a:ext>
                   <a:ext uri="{C183D7F6-B498-43B3-948B-1728B52AA6E4}">
-                    <adec:decorative xmlns:adec="http://schemas.microsoft.com/office/drawing/2017/decorative" xmlns="" val="1"/>
+                    <adec:decorative xmlns:adec="http://schemas.microsoft.com/office/drawing/2017/decorative" val="1"/>
                   </a:ext>
                 </a:extLst>
               </p:cNvPr>
@@ -23178,7 +23157,7 @@
                     <a16:creationId xmlns:a16="http://schemas.microsoft.com/office/drawing/2014/main" id="{8538CF67-A00E-4955-A447-001BE02E771A}"/>
                   </a:ext>
                   <a:ext uri="{C183D7F6-B498-43B3-948B-1728B52AA6E4}">
-                    <adec:decorative xmlns:adec="http://schemas.microsoft.com/office/drawing/2017/decorative" xmlns="" val="1"/>
+                    <adec:decorative xmlns:adec="http://schemas.microsoft.com/office/drawing/2017/decorative" val="1"/>
                   </a:ext>
                 </a:extLst>
               </p:cNvPr>
@@ -23694,7 +23673,7 @@
                 <a16:creationId xmlns:a16="http://schemas.microsoft.com/office/drawing/2014/main" id="{142D98E1-37D2-4470-BF74-845E897954C6}"/>
               </a:ext>
               <a:ext uri="{C183D7F6-B498-43B3-948B-1728B52AA6E4}">
-                <adec:decorative xmlns:adec="http://schemas.microsoft.com/office/drawing/2017/decorative" xmlns="" val="1"/>
+                <adec:decorative xmlns:adec="http://schemas.microsoft.com/office/drawing/2017/decorative" val="1"/>
               </a:ext>
             </a:extLst>
           </p:cNvPr>
@@ -23769,7 +23748,7 @@
                 <a16:creationId xmlns:a16="http://schemas.microsoft.com/office/drawing/2014/main" id="{E9BFB270-A887-4B62-B243-50F92509AD58}"/>
               </a:ext>
               <a:ext uri="{C183D7F6-B498-43B3-948B-1728B52AA6E4}">
-                <adec:decorative xmlns:adec="http://schemas.microsoft.com/office/drawing/2017/decorative" xmlns="" val="1"/>
+                <adec:decorative xmlns:adec="http://schemas.microsoft.com/office/drawing/2017/decorative" val="1"/>
               </a:ext>
             </a:extLst>
           </p:cNvPr>
@@ -23919,7 +23898,7 @@
                 <a16:creationId xmlns:a16="http://schemas.microsoft.com/office/drawing/2014/main" id="{2EDC2578-BDB0-4118-975D-CFCE02823D48}"/>
               </a:ext>
               <a:ext uri="{C183D7F6-B498-43B3-948B-1728B52AA6E4}">
-                <adec:decorative xmlns:adec="http://schemas.microsoft.com/office/drawing/2017/decorative" xmlns="" val="1"/>
+                <adec:decorative xmlns:adec="http://schemas.microsoft.com/office/drawing/2017/decorative" val="1"/>
               </a:ext>
             </a:extLst>
           </p:cNvPr>
@@ -23953,7 +23932,7 @@
                   <a16:creationId xmlns:a16="http://schemas.microsoft.com/office/drawing/2014/main" id="{FB6536F0-4A9C-46C9-96E9-22CBB33E6126}"/>
                 </a:ext>
                 <a:ext uri="{C183D7F6-B498-43B3-948B-1728B52AA6E4}">
-                  <adec:decorative xmlns:adec="http://schemas.microsoft.com/office/drawing/2017/decorative" xmlns="" val="1"/>
+                  <adec:decorative xmlns:adec="http://schemas.microsoft.com/office/drawing/2017/decorative" val="1"/>
                 </a:ext>
               </a:extLst>
             </p:cNvPr>
@@ -24024,7 +24003,7 @@
                   <a16:creationId xmlns:a16="http://schemas.microsoft.com/office/drawing/2014/main" id="{DFD6A33A-F889-42D7-ADC2-DD9B88DF060D}"/>
                 </a:ext>
                 <a:ext uri="{C183D7F6-B498-43B3-948B-1728B52AA6E4}">
-                  <adec:decorative xmlns:adec="http://schemas.microsoft.com/office/drawing/2017/decorative" xmlns="" val="1"/>
+                  <adec:decorative xmlns:adec="http://schemas.microsoft.com/office/drawing/2017/decorative" val="1"/>
                 </a:ext>
               </a:extLst>
             </p:cNvPr>
@@ -24054,7 +24033,7 @@
                     <a16:creationId xmlns:a16="http://schemas.microsoft.com/office/drawing/2014/main" id="{C375AFD7-9E86-4D19-B86E-C936D33B0D40}"/>
                   </a:ext>
                   <a:ext uri="{C183D7F6-B498-43B3-948B-1728B52AA6E4}">
-                    <adec:decorative xmlns:adec="http://schemas.microsoft.com/office/drawing/2017/decorative" xmlns="" val="1"/>
+                    <adec:decorative xmlns:adec="http://schemas.microsoft.com/office/drawing/2017/decorative" val="1"/>
                   </a:ext>
                 </a:extLst>
               </p:cNvPr>
@@ -24138,7 +24117,7 @@
                     <a16:creationId xmlns:a16="http://schemas.microsoft.com/office/drawing/2014/main" id="{4102C78E-31A2-4DB3-8790-415EB0B48A75}"/>
                   </a:ext>
                   <a:ext uri="{C183D7F6-B498-43B3-948B-1728B52AA6E4}">
-                    <adec:decorative xmlns:adec="http://schemas.microsoft.com/office/drawing/2017/decorative" xmlns="" val="1"/>
+                    <adec:decorative xmlns:adec="http://schemas.microsoft.com/office/drawing/2017/decorative" val="1"/>
                   </a:ext>
                 </a:extLst>
               </p:cNvPr>
@@ -24232,7 +24211,7 @@
                     <a16:creationId xmlns:a16="http://schemas.microsoft.com/office/drawing/2014/main" id="{4F3E144D-8167-438A-B67F-50F5D9C0C3D4}"/>
                   </a:ext>
                   <a:ext uri="{C183D7F6-B498-43B3-948B-1728B52AA6E4}">
-                    <adec:decorative xmlns:adec="http://schemas.microsoft.com/office/drawing/2017/decorative" xmlns="" val="1"/>
+                    <adec:decorative xmlns:adec="http://schemas.microsoft.com/office/drawing/2017/decorative" val="1"/>
                   </a:ext>
                 </a:extLst>
               </p:cNvPr>
@@ -24316,7 +24295,7 @@
                     <a16:creationId xmlns:a16="http://schemas.microsoft.com/office/drawing/2014/main" id="{4BE2135F-02C1-449F-B195-232E9AFDD6CB}"/>
                   </a:ext>
                   <a:ext uri="{C183D7F6-B498-43B3-948B-1728B52AA6E4}">
-                    <adec:decorative xmlns:adec="http://schemas.microsoft.com/office/drawing/2017/decorative" xmlns="" val="1"/>
+                    <adec:decorative xmlns:adec="http://schemas.microsoft.com/office/drawing/2017/decorative" val="1"/>
                   </a:ext>
                 </a:extLst>
               </p:cNvPr>
@@ -24832,7 +24811,7 @@
                 <a16:creationId xmlns:a16="http://schemas.microsoft.com/office/drawing/2014/main" id="{E1BEDD21-8CC9-4E04-B8CF-CE59786DFB3A}"/>
               </a:ext>
               <a:ext uri="{C183D7F6-B498-43B3-948B-1728B52AA6E4}">
-                <adec:decorative xmlns:adec="http://schemas.microsoft.com/office/drawing/2017/decorative" xmlns="" val="1"/>
+                <adec:decorative xmlns:adec="http://schemas.microsoft.com/office/drawing/2017/decorative" val="1"/>
               </a:ext>
             </a:extLst>
           </p:cNvPr>
@@ -24991,7 +24970,7 @@
                 <a16:creationId xmlns:a16="http://schemas.microsoft.com/office/drawing/2014/main" id="{3B108AF4-088E-4064-B983-46D04AE2E231}"/>
               </a:ext>
               <a:ext uri="{C183D7F6-B498-43B3-948B-1728B52AA6E4}">
-                <adec:decorative xmlns:adec="http://schemas.microsoft.com/office/drawing/2017/decorative" xmlns="" val="1"/>
+                <adec:decorative xmlns:adec="http://schemas.microsoft.com/office/drawing/2017/decorative" val="1"/>
               </a:ext>
             </a:extLst>
           </p:cNvPr>
@@ -25028,7 +25007,7 @@
                   <a16:creationId xmlns:a16="http://schemas.microsoft.com/office/drawing/2014/main" id="{B0072F45-87A5-41AF-8A5F-AA1169606F08}"/>
                 </a:ext>
                 <a:ext uri="{C183D7F6-B498-43B3-948B-1728B52AA6E4}">
-                  <adec:decorative xmlns:adec="http://schemas.microsoft.com/office/drawing/2017/decorative" xmlns="" val="1"/>
+                  <adec:decorative xmlns:adec="http://schemas.microsoft.com/office/drawing/2017/decorative" val="1"/>
                 </a:ext>
               </a:extLst>
             </p:cNvPr>
@@ -25195,7 +25174,7 @@
                   <a16:creationId xmlns:a16="http://schemas.microsoft.com/office/drawing/2014/main" id="{39543D5C-6314-4A56-96D8-66138F7ADCAA}"/>
                 </a:ext>
                 <a:ext uri="{C183D7F6-B498-43B3-948B-1728B52AA6E4}">
-                  <adec:decorative xmlns:adec="http://schemas.microsoft.com/office/drawing/2017/decorative" xmlns="" val="1"/>
+                  <adec:decorative xmlns:adec="http://schemas.microsoft.com/office/drawing/2017/decorative" val="1"/>
                 </a:ext>
               </a:extLst>
             </p:cNvPr>
@@ -25372,7 +25351,7 @@
                   <a16:creationId xmlns:a16="http://schemas.microsoft.com/office/drawing/2014/main" id="{43B17B08-2B11-4A2F-9E2C-DE23C72503B6}"/>
                 </a:ext>
                 <a:ext uri="{C183D7F6-B498-43B3-948B-1728B52AA6E4}">
-                  <adec:decorative xmlns:adec="http://schemas.microsoft.com/office/drawing/2017/decorative" xmlns="" val="1"/>
+                  <adec:decorative xmlns:adec="http://schemas.microsoft.com/office/drawing/2017/decorative" val="1"/>
                 </a:ext>
               </a:extLst>
             </p:cNvPr>
@@ -25529,7 +25508,7 @@
                   <a16:creationId xmlns:a16="http://schemas.microsoft.com/office/drawing/2014/main" id="{1C07DBD2-276A-4A72-BF25-6FB2FCD05A64}"/>
                 </a:ext>
                 <a:ext uri="{C183D7F6-B498-43B3-948B-1728B52AA6E4}">
-                  <adec:decorative xmlns:adec="http://schemas.microsoft.com/office/drawing/2017/decorative" xmlns="" val="1"/>
+                  <adec:decorative xmlns:adec="http://schemas.microsoft.com/office/drawing/2017/decorative" val="1"/>
                 </a:ext>
               </a:extLst>
             </p:cNvPr>
@@ -25662,7 +25641,7 @@
                   <a16:creationId xmlns:a16="http://schemas.microsoft.com/office/drawing/2014/main" id="{C354B108-DB71-4484-8743-68C8D5030794}"/>
                 </a:ext>
                 <a:ext uri="{C183D7F6-B498-43B3-948B-1728B52AA6E4}">
-                  <adec:decorative xmlns:adec="http://schemas.microsoft.com/office/drawing/2017/decorative" xmlns="" val="1"/>
+                  <adec:decorative xmlns:adec="http://schemas.microsoft.com/office/drawing/2017/decorative" val="1"/>
                 </a:ext>
               </a:extLst>
             </p:cNvPr>
@@ -25794,7 +25773,7 @@
                   <a16:creationId xmlns:a16="http://schemas.microsoft.com/office/drawing/2014/main" id="{C50B8508-ED23-4F52-B6D0-18C4EFC54E15}"/>
                 </a:ext>
                 <a:ext uri="{C183D7F6-B498-43B3-948B-1728B52AA6E4}">
-                  <adec:decorative xmlns:adec="http://schemas.microsoft.com/office/drawing/2017/decorative" xmlns="" val="1"/>
+                  <adec:decorative xmlns:adec="http://schemas.microsoft.com/office/drawing/2017/decorative" val="1"/>
                 </a:ext>
               </a:extLst>
             </p:cNvPr>
@@ -25926,7 +25905,7 @@
                   <a16:creationId xmlns:a16="http://schemas.microsoft.com/office/drawing/2014/main" id="{37C296D5-FE18-49F2-BECF-3BBFD7834B02}"/>
                 </a:ext>
                 <a:ext uri="{C183D7F6-B498-43B3-948B-1728B52AA6E4}">
-                  <adec:decorative xmlns:adec="http://schemas.microsoft.com/office/drawing/2017/decorative" xmlns="" val="1"/>
+                  <adec:decorative xmlns:adec="http://schemas.microsoft.com/office/drawing/2017/decorative" val="1"/>
                 </a:ext>
               </a:extLst>
             </p:cNvPr>
@@ -26190,21 +26169,7 @@
                 <a:latin typeface="Segoe UI" panose="020B0502040204020203" pitchFamily="34" charset="0"/>
                 <a:cs typeface="Segoe UI" panose="020B0502040204020203" pitchFamily="34" charset="0"/>
               </a:rPr>
-              <a:t>D</a:t>
-            </a:r>
-            <a:r>
-              <a:rPr lang="es-ES" dirty="0" smtClean="0">
-                <a:latin typeface="Segoe UI" panose="020B0502040204020203" pitchFamily="34" charset="0"/>
-                <a:cs typeface="Segoe UI" panose="020B0502040204020203" pitchFamily="34" charset="0"/>
-              </a:rPr>
-              <a:t>esarrollar </a:t>
-            </a:r>
-            <a:r>
-              <a:rPr lang="es-ES" dirty="0">
-                <a:latin typeface="Segoe UI" panose="020B0502040204020203" pitchFamily="34" charset="0"/>
-                <a:cs typeface="Segoe UI" panose="020B0502040204020203" pitchFamily="34" charset="0"/>
-              </a:rPr>
-              <a:t>un-Sistema de Información Web para la empresa WUKY que le permita la compra de sus productos vía online a fin de  controlarlos y administrarlos adecuadamente, brindándole a la empresa la herramienta y procedimientos para aprovechar al máximo sus recursos, permitiendo a sus procesos ser más óptimos. Dando paso al consumidor mayor facilidad en su compra. </a:t>
+              <a:t>Desarrollar un-Sistema de Información Web para la empresa WUKY que le permita la compra de sus productos vía online a fin de  controlarlos y administrarlos adecuadamente, brindándole a la empresa la herramienta y procedimientos para aprovechar al máximo sus recursos, permitiendo a sus procesos ser más óptimos. Dando paso al consumidor mayor facilidad en su compra. </a:t>
             </a:r>
           </a:p>
           <a:p>
@@ -26254,7 +26219,7 @@
               <a:buChar char="•"/>
             </a:pPr>
             <a:r>
-              <a:rPr lang="es-ES" dirty="0" smtClean="0">
+              <a:rPr lang="es-ES" dirty="0">
                 <a:latin typeface="Segoe UI" panose="020B0502040204020203" pitchFamily="34" charset="0"/>
                 <a:cs typeface="Segoe UI" panose="020B0502040204020203" pitchFamily="34" charset="0"/>
               </a:rPr>
@@ -26267,7 +26232,7 @@
               <a:buChar char="•"/>
             </a:pPr>
             <a:r>
-              <a:rPr lang="es-ES" dirty="0" smtClean="0">
+              <a:rPr lang="es-ES" dirty="0">
                 <a:latin typeface="Segoe UI" panose="020B0502040204020203" pitchFamily="34" charset="0"/>
                 <a:cs typeface="Segoe UI" panose="020B0502040204020203" pitchFamily="34" charset="0"/>
               </a:rPr>
@@ -26280,7 +26245,7 @@
               <a:buChar char="•"/>
             </a:pPr>
             <a:r>
-              <a:rPr lang="es-ES" dirty="0" smtClean="0">
+              <a:rPr lang="es-ES" dirty="0">
                 <a:latin typeface="Segoe UI" panose="020B0502040204020203" pitchFamily="34" charset="0"/>
                 <a:cs typeface="Segoe UI" panose="020B0502040204020203" pitchFamily="34" charset="0"/>
               </a:rPr>
@@ -26293,35 +26258,27 @@
               <a:buChar char="•"/>
             </a:pPr>
             <a:r>
-              <a:rPr lang="es-ES" dirty="0" smtClean="0">
+              <a:rPr lang="es-ES" dirty="0">
                 <a:latin typeface="Segoe UI" panose="020B0502040204020203" pitchFamily="34" charset="0"/>
                 <a:cs typeface="Segoe UI" panose="020B0502040204020203" pitchFamily="34" charset="0"/>
               </a:rPr>
               <a:t>Gestionar log’s de los usuarios</a:t>
             </a:r>
-            <a:endParaRPr lang="es-ES" dirty="0" smtClean="0">
-              <a:latin typeface="Segoe UI" panose="020B0502040204020203" pitchFamily="34" charset="0"/>
-              <a:cs typeface="Segoe UI" panose="020B0502040204020203" pitchFamily="34" charset="0"/>
-            </a:endParaRPr>
           </a:p>
           <a:p>
-            <a:endParaRPr lang="es-ES" dirty="0" smtClean="0">
+            <a:endParaRPr lang="es-ES" dirty="0">
               <a:latin typeface="Segoe UI" panose="020B0502040204020203" pitchFamily="34" charset="0"/>
               <a:cs typeface="Segoe UI" panose="020B0502040204020203" pitchFamily="34" charset="0"/>
             </a:endParaRPr>
           </a:p>
           <a:p>
             <a:r>
-              <a:rPr lang="es-CO" sz="2000" dirty="0" smtClean="0">
+              <a:rPr lang="es-CO" sz="2000" dirty="0">
                 <a:latin typeface="Segoe UI" panose="020B0502040204020203" pitchFamily="34" charset="0"/>
                 <a:cs typeface="Segoe UI" panose="020B0502040204020203" pitchFamily="34" charset="0"/>
               </a:rPr>
               <a:t> </a:t>
             </a:r>
-            <a:endParaRPr lang="es-CO" sz="2000" dirty="0">
-              <a:latin typeface="Segoe UI" panose="020B0502040204020203" pitchFamily="34" charset="0"/>
-              <a:cs typeface="Segoe UI" panose="020B0502040204020203" pitchFamily="34" charset="0"/>
-            </a:endParaRPr>
           </a:p>
         </p:txBody>
       </p:sp>
@@ -26492,42 +26449,14 @@
                 <a:latin typeface="Segoe UI" panose="020B0502040204020203" pitchFamily="34" charset="0"/>
                 <a:cs typeface="Segoe UI" panose="020B0502040204020203" pitchFamily="34" charset="0"/>
               </a:rPr>
-              <a:t>es </a:t>
-            </a:r>
-            <a:r>
-              <a:rPr lang="es-CO" dirty="0">
-                <a:latin typeface="Segoe UI" panose="020B0502040204020203" pitchFamily="34" charset="0"/>
-                <a:cs typeface="Segoe UI" panose="020B0502040204020203" pitchFamily="34" charset="0"/>
-              </a:rPr>
-              <a:t>una empresa joven y actualmente solo tiene un punto de venta y poca presencia en internet, esto no ha permitido que la empresa logre ser conocida por los </a:t>
-            </a:r>
-            <a:r>
-              <a:rPr lang="es-CO" dirty="0" smtClean="0">
-                <a:latin typeface="Segoe UI" panose="020B0502040204020203" pitchFamily="34" charset="0"/>
-                <a:cs typeface="Segoe UI" panose="020B0502040204020203" pitchFamily="34" charset="0"/>
-              </a:rPr>
-              <a:t>clientes.</a:t>
+              <a:t>es una empresa joven y actualmente solo tiene un punto de venta y poca presencia en internet, esto no ha permitido que la empresa logre ser conocida por los clientes.</a:t>
             </a:r>
             <a:r>
               <a:rPr lang="es-ES" dirty="0">
                 <a:latin typeface="Segoe UI" panose="020B0502040204020203" pitchFamily="34" charset="0"/>
                 <a:cs typeface="Segoe UI" panose="020B0502040204020203" pitchFamily="34" charset="0"/>
               </a:rPr>
-              <a:t> </a:t>
-            </a:r>
-            <a:r>
-              <a:rPr lang="es-ES" dirty="0" smtClean="0">
-                <a:latin typeface="Segoe UI" panose="020B0502040204020203" pitchFamily="34" charset="0"/>
-                <a:cs typeface="Segoe UI" panose="020B0502040204020203" pitchFamily="34" charset="0"/>
-              </a:rPr>
-              <a:t>Adicional a esto el ingreso y salida de productos tiene un control en documentación física o en documentos electrónicos, así mismo información de clientes y proveedores</a:t>
-            </a:r>
-            <a:r>
-              <a:rPr lang="es-ES" dirty="0" smtClean="0">
-                <a:latin typeface="Segoe UI" panose="020B0502040204020203" pitchFamily="34" charset="0"/>
-                <a:cs typeface="Segoe UI" panose="020B0502040204020203" pitchFamily="34" charset="0"/>
-              </a:rPr>
-              <a:t>. </a:t>
+              <a:t> Adicional a esto el ingreso y salida de productos tiene un control en documentación física o en documentos electrónicos, así mismo información de clientes y proveedores. </a:t>
             </a:r>
           </a:p>
           <a:p>
@@ -26541,28 +26470,7 @@
                 <a:latin typeface="Segoe UI" panose="020B0502040204020203" pitchFamily="34" charset="0"/>
                 <a:cs typeface="Segoe UI" panose="020B0502040204020203" pitchFamily="34" charset="0"/>
               </a:rPr>
-              <a:t>La página </a:t>
-            </a:r>
-            <a:r>
-              <a:rPr lang="es-CO" dirty="0" smtClean="0">
-                <a:latin typeface="Segoe UI" panose="020B0502040204020203" pitchFamily="34" charset="0"/>
-                <a:cs typeface="Segoe UI" panose="020B0502040204020203" pitchFamily="34" charset="0"/>
-              </a:rPr>
-              <a:t>Web permitirá </a:t>
-            </a:r>
-            <a:r>
-              <a:rPr lang="es-CO" dirty="0">
-                <a:latin typeface="Segoe UI" panose="020B0502040204020203" pitchFamily="34" charset="0"/>
-                <a:cs typeface="Segoe UI" panose="020B0502040204020203" pitchFamily="34" charset="0"/>
-              </a:rPr>
-              <a:t>la gestión de ventas beneficia el manejo eficiente de la operación y administración de la información generada en la organización, presentándola de manera confiable y oportuna contribuyendo en la toma de decisiones. </a:t>
-            </a:r>
-            <a:r>
-              <a:rPr lang="es-CO" dirty="0">
-                <a:latin typeface="Segoe UI" panose="020B0502040204020203" pitchFamily="34" charset="0"/>
-                <a:cs typeface="Segoe UI" panose="020B0502040204020203" pitchFamily="34" charset="0"/>
-              </a:rPr>
-              <a:t>A su vez, mejorará el sistema de búsqueda de productos, tendrá un control de inventario y agilización de las ventas, brindando a los empleados un mejor desempeño laboral.</a:t>
+              <a:t>La página Web permitirá la gestión de ventas beneficia el manejo eficiente de la operación y administración de la información generada en la organización, presentándola de manera confiable y oportuna contribuyendo en la toma de decisiones. A su vez, mejorará el sistema de búsqueda de productos, tendrá un control de inventario y agilización de las ventas, brindando a los empleados un mejor desempeño laboral.</a:t>
             </a:r>
           </a:p>
           <a:p>
@@ -26594,13 +26502,6 @@
             </a:endParaRPr>
           </a:p>
           <a:p>
-            <a:r>
-              <a:rPr lang="es-ES" sz="2000" dirty="0">
-                <a:latin typeface="Segoe UI" panose="020B0502040204020203" pitchFamily="34" charset="0"/>
-                <a:cs typeface="Segoe UI" panose="020B0502040204020203" pitchFamily="34" charset="0"/>
-              </a:rPr>
-              <a:t/>
-            </a:r>
             <a:br>
               <a:rPr lang="es-ES" sz="2000" dirty="0">
                 <a:latin typeface="Segoe UI" panose="020B0502040204020203" pitchFamily="34" charset="0"/>
@@ -26696,7 +26597,7 @@
                 <a16:creationId xmlns:a16="http://schemas.microsoft.com/office/drawing/2014/main" id="{435959F4-53DA-47FF-BC24-1E5B75C69876}"/>
               </a:ext>
               <a:ext uri="{C183D7F6-B498-43B3-948B-1728B52AA6E4}">
-                <adec:decorative xmlns:adec="http://schemas.microsoft.com/office/drawing/2017/decorative" xmlns="" val="1"/>
+                <adec:decorative xmlns:adec="http://schemas.microsoft.com/office/drawing/2017/decorative" val="1"/>
               </a:ext>
             </a:extLst>
           </p:cNvPr>
@@ -26856,7 +26757,7 @@
                 <a16:creationId xmlns:a16="http://schemas.microsoft.com/office/drawing/2014/main" id="{A7CF83E8-F6F0-41E3-B580-7412A04DDFB5}"/>
               </a:ext>
               <a:ext uri="{C183D7F6-B498-43B3-948B-1728B52AA6E4}">
-                <adec:decorative xmlns:adec="http://schemas.microsoft.com/office/drawing/2017/decorative" xmlns="" val="1"/>
+                <adec:decorative xmlns:adec="http://schemas.microsoft.com/office/drawing/2017/decorative" val="1"/>
               </a:ext>
             </a:extLst>
           </p:cNvPr>
@@ -26890,7 +26791,7 @@
                   <a16:creationId xmlns:a16="http://schemas.microsoft.com/office/drawing/2014/main" id="{1A0B6DBB-705D-48D0-842C-F9DFA7684D19}"/>
                 </a:ext>
                 <a:ext uri="{C183D7F6-B498-43B3-948B-1728B52AA6E4}">
-                  <adec:decorative xmlns:adec="http://schemas.microsoft.com/office/drawing/2017/decorative" xmlns="" val="1"/>
+                  <adec:decorative xmlns:adec="http://schemas.microsoft.com/office/drawing/2017/decorative" val="1"/>
                 </a:ext>
               </a:extLst>
             </p:cNvPr>
@@ -27057,7 +26958,7 @@
                   <a16:creationId xmlns:a16="http://schemas.microsoft.com/office/drawing/2014/main" id="{C194A764-16E1-4D0D-9357-76F80E6086C0}"/>
                 </a:ext>
                 <a:ext uri="{C183D7F6-B498-43B3-948B-1728B52AA6E4}">
-                  <adec:decorative xmlns:adec="http://schemas.microsoft.com/office/drawing/2017/decorative" xmlns="" val="1"/>
+                  <adec:decorative xmlns:adec="http://schemas.microsoft.com/office/drawing/2017/decorative" val="1"/>
                 </a:ext>
               </a:extLst>
             </p:cNvPr>
@@ -27234,7 +27135,7 @@
                   <a16:creationId xmlns:a16="http://schemas.microsoft.com/office/drawing/2014/main" id="{115B7F3F-A40D-4F24-8536-E2420B433211}"/>
                 </a:ext>
                 <a:ext uri="{C183D7F6-B498-43B3-948B-1728B52AA6E4}">
-                  <adec:decorative xmlns:adec="http://schemas.microsoft.com/office/drawing/2017/decorative" xmlns="" val="1"/>
+                  <adec:decorative xmlns:adec="http://schemas.microsoft.com/office/drawing/2017/decorative" val="1"/>
                 </a:ext>
               </a:extLst>
             </p:cNvPr>
@@ -27391,7 +27292,7 @@
                   <a16:creationId xmlns:a16="http://schemas.microsoft.com/office/drawing/2014/main" id="{CEF42844-A829-4ED2-A360-63BB2A7C45EE}"/>
                 </a:ext>
                 <a:ext uri="{C183D7F6-B498-43B3-948B-1728B52AA6E4}">
-                  <adec:decorative xmlns:adec="http://schemas.microsoft.com/office/drawing/2017/decorative" xmlns="" val="1"/>
+                  <adec:decorative xmlns:adec="http://schemas.microsoft.com/office/drawing/2017/decorative" val="1"/>
                 </a:ext>
               </a:extLst>
             </p:cNvPr>
@@ -27524,7 +27425,7 @@
                   <a16:creationId xmlns:a16="http://schemas.microsoft.com/office/drawing/2014/main" id="{57B23B52-A1C3-44EF-BC11-9094A0DA11AB}"/>
                 </a:ext>
                 <a:ext uri="{C183D7F6-B498-43B3-948B-1728B52AA6E4}">
-                  <adec:decorative xmlns:adec="http://schemas.microsoft.com/office/drawing/2017/decorative" xmlns="" val="1"/>
+                  <adec:decorative xmlns:adec="http://schemas.microsoft.com/office/drawing/2017/decorative" val="1"/>
                 </a:ext>
               </a:extLst>
             </p:cNvPr>
@@ -27656,7 +27557,7 @@
                   <a16:creationId xmlns:a16="http://schemas.microsoft.com/office/drawing/2014/main" id="{064E08E5-DA92-4CF2-A0BF-E341800227B2}"/>
                 </a:ext>
                 <a:ext uri="{C183D7F6-B498-43B3-948B-1728B52AA6E4}">
-                  <adec:decorative xmlns:adec="http://schemas.microsoft.com/office/drawing/2017/decorative" xmlns="" val="1"/>
+                  <adec:decorative xmlns:adec="http://schemas.microsoft.com/office/drawing/2017/decorative" val="1"/>
                 </a:ext>
               </a:extLst>
             </p:cNvPr>
@@ -27788,7 +27689,7 @@
                   <a16:creationId xmlns:a16="http://schemas.microsoft.com/office/drawing/2014/main" id="{7A222560-E657-4CAE-B667-7BE9E224B244}"/>
                 </a:ext>
                 <a:ext uri="{C183D7F6-B498-43B3-948B-1728B52AA6E4}">
-                  <adec:decorative xmlns:adec="http://schemas.microsoft.com/office/drawing/2017/decorative" xmlns="" val="1"/>
+                  <adec:decorative xmlns:adec="http://schemas.microsoft.com/office/drawing/2017/decorative" val="1"/>
                 </a:ext>
               </a:extLst>
             </p:cNvPr>
@@ -27957,7 +27858,7 @@
                 <a16:creationId xmlns:a16="http://schemas.microsoft.com/office/drawing/2014/main" id="{59226104-0061-4319-8237-9C001BF85D49}"/>
               </a:ext>
               <a:ext uri="{C183D7F6-B498-43B3-948B-1728B52AA6E4}">
-                <adec:decorative xmlns:adec="http://schemas.microsoft.com/office/drawing/2017/decorative" xmlns="" val="1"/>
+                <adec:decorative xmlns:adec="http://schemas.microsoft.com/office/drawing/2017/decorative" val="1"/>
               </a:ext>
             </a:extLst>
           </p:cNvPr>
@@ -28107,7 +28008,7 @@
                 <a16:creationId xmlns:a16="http://schemas.microsoft.com/office/drawing/2014/main" id="{51B01909-73B8-4486-A749-C643B1D7E361}"/>
               </a:ext>
               <a:ext uri="{C183D7F6-B498-43B3-948B-1728B52AA6E4}">
-                <adec:decorative xmlns:adec="http://schemas.microsoft.com/office/drawing/2017/decorative" xmlns="" val="1"/>
+                <adec:decorative xmlns:adec="http://schemas.microsoft.com/office/drawing/2017/decorative" val="1"/>
               </a:ext>
             </a:extLst>
           </p:cNvPr>
@@ -28141,7 +28042,7 @@
                   <a16:creationId xmlns:a16="http://schemas.microsoft.com/office/drawing/2014/main" id="{5E279D86-4533-45F1-B0AA-D237399A5ED5}"/>
                 </a:ext>
                 <a:ext uri="{C183D7F6-B498-43B3-948B-1728B52AA6E4}">
-                  <adec:decorative xmlns:adec="http://schemas.microsoft.com/office/drawing/2017/decorative" xmlns="" val="1"/>
+                  <adec:decorative xmlns:adec="http://schemas.microsoft.com/office/drawing/2017/decorative" val="1"/>
                 </a:ext>
               </a:extLst>
             </p:cNvPr>
@@ -28212,7 +28113,7 @@
                   <a16:creationId xmlns:a16="http://schemas.microsoft.com/office/drawing/2014/main" id="{764FD722-CB31-4326-ADD8-CBA52FD1FF59}"/>
                 </a:ext>
                 <a:ext uri="{C183D7F6-B498-43B3-948B-1728B52AA6E4}">
-                  <adec:decorative xmlns:adec="http://schemas.microsoft.com/office/drawing/2017/decorative" xmlns="" val="1"/>
+                  <adec:decorative xmlns:adec="http://schemas.microsoft.com/office/drawing/2017/decorative" val="1"/>
                 </a:ext>
               </a:extLst>
             </p:cNvPr>
@@ -28242,7 +28143,7 @@
                     <a16:creationId xmlns:a16="http://schemas.microsoft.com/office/drawing/2014/main" id="{24E4BCEC-8B0A-444E-8509-1B3BB0449E5B}"/>
                   </a:ext>
                   <a:ext uri="{C183D7F6-B498-43B3-948B-1728B52AA6E4}">
-                    <adec:decorative xmlns:adec="http://schemas.microsoft.com/office/drawing/2017/decorative" xmlns="" val="1"/>
+                    <adec:decorative xmlns:adec="http://schemas.microsoft.com/office/drawing/2017/decorative" val="1"/>
                   </a:ext>
                 </a:extLst>
               </p:cNvPr>
@@ -28326,7 +28227,7 @@
                     <a16:creationId xmlns:a16="http://schemas.microsoft.com/office/drawing/2014/main" id="{9DB36622-1DC7-4B17-8984-588BA8999FF6}"/>
                   </a:ext>
                   <a:ext uri="{C183D7F6-B498-43B3-948B-1728B52AA6E4}">
-                    <adec:decorative xmlns:adec="http://schemas.microsoft.com/office/drawing/2017/decorative" xmlns="" val="1"/>
+                    <adec:decorative xmlns:adec="http://schemas.microsoft.com/office/drawing/2017/decorative" val="1"/>
                   </a:ext>
                 </a:extLst>
               </p:cNvPr>
@@ -28420,7 +28321,7 @@
                     <a16:creationId xmlns:a16="http://schemas.microsoft.com/office/drawing/2014/main" id="{51B97AF0-1974-42B9-B5FC-A332C52E8272}"/>
                   </a:ext>
                   <a:ext uri="{C183D7F6-B498-43B3-948B-1728B52AA6E4}">
-                    <adec:decorative xmlns:adec="http://schemas.microsoft.com/office/drawing/2017/decorative" xmlns="" val="1"/>
+                    <adec:decorative xmlns:adec="http://schemas.microsoft.com/office/drawing/2017/decorative" val="1"/>
                   </a:ext>
                 </a:extLst>
               </p:cNvPr>
@@ -28504,7 +28405,7 @@
                     <a16:creationId xmlns:a16="http://schemas.microsoft.com/office/drawing/2014/main" id="{95A298AD-BE5D-4BE1-8CDF-DBFB42D63FEB}"/>
                   </a:ext>
                   <a:ext uri="{C183D7F6-B498-43B3-948B-1728B52AA6E4}">
-                    <adec:decorative xmlns:adec="http://schemas.microsoft.com/office/drawing/2017/decorative" xmlns="" val="1"/>
+                    <adec:decorative xmlns:adec="http://schemas.microsoft.com/office/drawing/2017/decorative" val="1"/>
                   </a:ext>
                 </a:extLst>
               </p:cNvPr>
@@ -29020,7 +28921,7 @@
                 <a16:creationId xmlns:a16="http://schemas.microsoft.com/office/drawing/2014/main" id="{A5D0B0D3-D735-4619-AA45-B57B791E1744}"/>
               </a:ext>
               <a:ext uri="{C183D7F6-B498-43B3-948B-1728B52AA6E4}">
-                <adec:decorative xmlns:adec="http://schemas.microsoft.com/office/drawing/2017/decorative" xmlns="" val="1"/>
+                <adec:decorative xmlns:adec="http://schemas.microsoft.com/office/drawing/2017/decorative" val="1"/>
               </a:ext>
             </a:extLst>
           </p:cNvPr>
@@ -29122,14 +29023,6 @@
               </a:rPr>
               <a:t>ALCANCE</a:t>
             </a:r>
-            <a:r>
-              <a:rPr lang="es-ES" sz="2000" dirty="0">
-                <a:latin typeface="Segoe UI" panose="020B0502040204020203" pitchFamily="34" charset="0"/>
-                <a:ea typeface="+mn-ea"/>
-                <a:cs typeface="Segoe UI" panose="020B0502040204020203" pitchFamily="34" charset="0"/>
-              </a:rPr>
-              <a:t/>
-            </a:r>
             <a:br>
               <a:rPr lang="es-ES" sz="2000" dirty="0">
                 <a:latin typeface="Segoe UI" panose="020B0502040204020203" pitchFamily="34" charset="0"/>
@@ -29137,14 +29030,6 @@
                 <a:cs typeface="Segoe UI" panose="020B0502040204020203" pitchFamily="34" charset="0"/>
               </a:rPr>
             </a:br>
-            <a:r>
-              <a:rPr lang="es-ES" sz="2000" dirty="0">
-                <a:latin typeface="Segoe UI" panose="020B0502040204020203" pitchFamily="34" charset="0"/>
-                <a:ea typeface="+mn-ea"/>
-                <a:cs typeface="Segoe UI" panose="020B0502040204020203" pitchFamily="34" charset="0"/>
-              </a:rPr>
-              <a:t/>
-            </a:r>
             <a:br>
               <a:rPr lang="es-ES" sz="2000" dirty="0">
                 <a:latin typeface="Segoe UI" panose="020B0502040204020203" pitchFamily="34" charset="0"/>
@@ -29152,14 +29037,6 @@
                 <a:cs typeface="Segoe UI" panose="020B0502040204020203" pitchFamily="34" charset="0"/>
               </a:rPr>
             </a:br>
-            <a:r>
-              <a:rPr lang="es-ES" sz="2000" dirty="0">
-                <a:latin typeface="Segoe UI" panose="020B0502040204020203" pitchFamily="34" charset="0"/>
-                <a:ea typeface="+mn-ea"/>
-                <a:cs typeface="Segoe UI" panose="020B0502040204020203" pitchFamily="34" charset="0"/>
-              </a:rPr>
-              <a:t/>
-            </a:r>
             <a:br>
               <a:rPr lang="es-ES" sz="2000" dirty="0">
                 <a:latin typeface="Segoe UI" panose="020B0502040204020203" pitchFamily="34" charset="0"/>
@@ -29167,14 +29044,6 @@
                 <a:cs typeface="Segoe UI" panose="020B0502040204020203" pitchFamily="34" charset="0"/>
               </a:rPr>
             </a:br>
-            <a:r>
-              <a:rPr lang="es-ES" sz="2000" dirty="0">
-                <a:latin typeface="Segoe UI" panose="020B0502040204020203" pitchFamily="34" charset="0"/>
-                <a:ea typeface="+mn-ea"/>
-                <a:cs typeface="Segoe UI" panose="020B0502040204020203" pitchFamily="34" charset="0"/>
-              </a:rPr>
-              <a:t/>
-            </a:r>
             <a:br>
               <a:rPr lang="es-ES" sz="2000" dirty="0">
                 <a:latin typeface="Segoe UI" panose="020B0502040204020203" pitchFamily="34" charset="0"/>
@@ -29188,15 +29057,7 @@
                 <a:ea typeface="+mn-ea"/>
                 <a:cs typeface="Segoe UI" panose="020B0502040204020203" pitchFamily="34" charset="0"/>
               </a:rPr>
-              <a:t>El alcance de este proyecto es cubrir las necesidades del área de compras y servicio al cliente en cuanto a los productos ofrecidos</a:t>
-            </a:r>
-            <a:r>
-              <a:rPr lang="es-ES" sz="2000" i="0" dirty="0" smtClean="0">
-                <a:latin typeface="Segoe UI" panose="020B0502040204020203" pitchFamily="34" charset="0"/>
-                <a:ea typeface="+mn-ea"/>
-                <a:cs typeface="Segoe UI" panose="020B0502040204020203" pitchFamily="34" charset="0"/>
-              </a:rPr>
-              <a:t>.</a:t>
+              <a:t>El alcance de este proyecto es cubrir las necesidades del área de compras y servicio al cliente en cuanto a los productos ofrecidos.</a:t>
             </a:r>
             <a:r>
               <a:rPr lang="es-ES" sz="2000" i="0" dirty="0">
@@ -29225,13 +29086,6 @@
                 <a:cs typeface="Segoe UI" panose="020B0502040204020203" pitchFamily="34" charset="0"/>
               </a:rPr>
             </a:br>
-            <a:r>
-              <a:rPr lang="es-ES" sz="2000" dirty="0">
-                <a:latin typeface="Segoe UI" panose="020B0502040204020203" pitchFamily="34" charset="0"/>
-                <a:cs typeface="Segoe UI" panose="020B0502040204020203" pitchFamily="34" charset="0"/>
-              </a:rPr>
-              <a:t/>
-            </a:r>
             <a:br>
               <a:rPr lang="es-ES" sz="2000" dirty="0">
                 <a:latin typeface="Segoe UI" panose="020B0502040204020203" pitchFamily="34" charset="0"/>
@@ -29246,14 +29100,6 @@
               </a:rPr>
               <a:t>Para culminar este proyecto de manera optima iniciamos a partir del 19 de julio del 2021 hasta julio del 2023, desarrollándose en el entorno de la organización. </a:t>
             </a:r>
-            <a:r>
-              <a:rPr lang="es-CO" sz="2000" i="0" dirty="0">
-                <a:latin typeface="Segoe UI" panose="020B0502040204020203" pitchFamily="34" charset="0"/>
-                <a:ea typeface="+mn-ea"/>
-                <a:cs typeface="Segoe UI" panose="020B0502040204020203" pitchFamily="34" charset="0"/>
-              </a:rPr>
-              <a:t/>
-            </a:r>
             <a:br>
               <a:rPr lang="es-CO" sz="2000" i="0" dirty="0">
                 <a:latin typeface="Segoe UI" panose="020B0502040204020203" pitchFamily="34" charset="0"/>
@@ -29261,14 +29107,6 @@
                 <a:cs typeface="Segoe UI" panose="020B0502040204020203" pitchFamily="34" charset="0"/>
               </a:rPr>
             </a:br>
-            <a:r>
-              <a:rPr lang="es-ES" sz="2000" i="0" dirty="0">
-                <a:latin typeface="Segoe UI" panose="020B0502040204020203" pitchFamily="34" charset="0"/>
-                <a:ea typeface="+mn-ea"/>
-                <a:cs typeface="Segoe UI" panose="020B0502040204020203" pitchFamily="34" charset="0"/>
-              </a:rPr>
-              <a:t/>
-            </a:r>
             <a:br>
               <a:rPr lang="es-ES" sz="2000" i="0" dirty="0">
                 <a:latin typeface="Segoe UI" panose="020B0502040204020203" pitchFamily="34" charset="0"/>
@@ -29276,14 +29114,6 @@
                 <a:cs typeface="Segoe UI" panose="020B0502040204020203" pitchFamily="34" charset="0"/>
               </a:rPr>
             </a:br>
-            <a:r>
-              <a:rPr lang="es-ES" sz="2000" i="0" dirty="0">
-                <a:latin typeface="Segoe UI" panose="020B0502040204020203" pitchFamily="34" charset="0"/>
-                <a:ea typeface="+mn-ea"/>
-                <a:cs typeface="Segoe UI" panose="020B0502040204020203" pitchFamily="34" charset="0"/>
-              </a:rPr>
-              <a:t/>
-            </a:r>
             <a:br>
               <a:rPr lang="es-ES" sz="2000" i="0" dirty="0">
                 <a:latin typeface="Segoe UI" panose="020B0502040204020203" pitchFamily="34" charset="0"/>
@@ -29307,7 +29137,7 @@
                 <a16:creationId xmlns:a16="http://schemas.microsoft.com/office/drawing/2014/main" id="{06B4C967-D337-479B-87CA-7587B7FCFF5E}"/>
               </a:ext>
               <a:ext uri="{C183D7F6-B498-43B3-948B-1728B52AA6E4}">
-                <adec:decorative xmlns:adec="http://schemas.microsoft.com/office/drawing/2017/decorative" xmlns="" val="1"/>
+                <adec:decorative xmlns:adec="http://schemas.microsoft.com/office/drawing/2017/decorative" val="1"/>
               </a:ext>
             </a:extLst>
           </p:cNvPr>
@@ -29341,7 +29171,7 @@
                   <a16:creationId xmlns:a16="http://schemas.microsoft.com/office/drawing/2014/main" id="{6EF1A9DB-7052-4254-8534-9AAED6F6B652}"/>
                 </a:ext>
                 <a:ext uri="{C183D7F6-B498-43B3-948B-1728B52AA6E4}">
-                  <adec:decorative xmlns:adec="http://schemas.microsoft.com/office/drawing/2017/decorative" xmlns="" val="1"/>
+                  <adec:decorative xmlns:adec="http://schemas.microsoft.com/office/drawing/2017/decorative" val="1"/>
                 </a:ext>
               </a:extLst>
             </p:cNvPr>
@@ -29412,7 +29242,7 @@
                   <a16:creationId xmlns:a16="http://schemas.microsoft.com/office/drawing/2014/main" id="{55D44775-F9E3-4142-8CDB-277AEF2F3880}"/>
                 </a:ext>
                 <a:ext uri="{C183D7F6-B498-43B3-948B-1728B52AA6E4}">
-                  <adec:decorative xmlns:adec="http://schemas.microsoft.com/office/drawing/2017/decorative" xmlns="" val="1"/>
+                  <adec:decorative xmlns:adec="http://schemas.microsoft.com/office/drawing/2017/decorative" val="1"/>
                 </a:ext>
               </a:extLst>
             </p:cNvPr>
@@ -29442,7 +29272,7 @@
                     <a16:creationId xmlns:a16="http://schemas.microsoft.com/office/drawing/2014/main" id="{93BB9C83-6DC3-450C-BFAD-0CB5EAD294F1}"/>
                   </a:ext>
                   <a:ext uri="{C183D7F6-B498-43B3-948B-1728B52AA6E4}">
-                    <adec:decorative xmlns:adec="http://schemas.microsoft.com/office/drawing/2017/decorative" xmlns="" val="1"/>
+                    <adec:decorative xmlns:adec="http://schemas.microsoft.com/office/drawing/2017/decorative" val="1"/>
                   </a:ext>
                 </a:extLst>
               </p:cNvPr>
@@ -29526,7 +29356,7 @@
                     <a16:creationId xmlns:a16="http://schemas.microsoft.com/office/drawing/2014/main" id="{4E01AF91-A65B-4AE1-96C9-4168BD8F900A}"/>
                   </a:ext>
                   <a:ext uri="{C183D7F6-B498-43B3-948B-1728B52AA6E4}">
-                    <adec:decorative xmlns:adec="http://schemas.microsoft.com/office/drawing/2017/decorative" xmlns="" val="1"/>
+                    <adec:decorative xmlns:adec="http://schemas.microsoft.com/office/drawing/2017/decorative" val="1"/>
                   </a:ext>
                 </a:extLst>
               </p:cNvPr>
@@ -29620,7 +29450,7 @@
                     <a16:creationId xmlns:a16="http://schemas.microsoft.com/office/drawing/2014/main" id="{0AD45C08-DFB9-441F-A901-BCB9B03058D7}"/>
                   </a:ext>
                   <a:ext uri="{C183D7F6-B498-43B3-948B-1728B52AA6E4}">
-                    <adec:decorative xmlns:adec="http://schemas.microsoft.com/office/drawing/2017/decorative" xmlns="" val="1"/>
+                    <adec:decorative xmlns:adec="http://schemas.microsoft.com/office/drawing/2017/decorative" val="1"/>
                   </a:ext>
                 </a:extLst>
               </p:cNvPr>
@@ -29704,7 +29534,7 @@
                     <a16:creationId xmlns:a16="http://schemas.microsoft.com/office/drawing/2014/main" id="{E05BEC0E-4EE4-42C4-BF0B-15F9AC518157}"/>
                   </a:ext>
                   <a:ext uri="{C183D7F6-B498-43B3-948B-1728B52AA6E4}">
-                    <adec:decorative xmlns:adec="http://schemas.microsoft.com/office/drawing/2017/decorative" xmlns="" val="1"/>
+                    <adec:decorative xmlns:adec="http://schemas.microsoft.com/office/drawing/2017/decorative" val="1"/>
                   </a:ext>
                 </a:extLst>
               </p:cNvPr>
@@ -30220,7 +30050,7 @@
                 <a16:creationId xmlns:a16="http://schemas.microsoft.com/office/drawing/2014/main" id="{752C2BA4-3BBE-4D22-A0D9-8D2A7B8F1C71}"/>
               </a:ext>
               <a:ext uri="{C183D7F6-B498-43B3-948B-1728B52AA6E4}">
-                <adec:decorative xmlns:adec="http://schemas.microsoft.com/office/drawing/2017/decorative" xmlns="" val="1"/>
+                <adec:decorative xmlns:adec="http://schemas.microsoft.com/office/drawing/2017/decorative" val="1"/>
               </a:ext>
             </a:extLst>
           </p:cNvPr>
@@ -30411,7 +30241,7 @@
                 <a16:creationId xmlns:a16="http://schemas.microsoft.com/office/drawing/2014/main" id="{82AA7049-B18D-49D6-AD7D-DBB9E19FBB78}"/>
               </a:ext>
               <a:ext uri="{C183D7F6-B498-43B3-948B-1728B52AA6E4}">
-                <adec:decorative xmlns:adec="http://schemas.microsoft.com/office/drawing/2017/decorative" xmlns="" val="1"/>
+                <adec:decorative xmlns:adec="http://schemas.microsoft.com/office/drawing/2017/decorative" val="1"/>
               </a:ext>
             </a:extLst>
           </p:cNvPr>
@@ -30560,7 +30390,7 @@
                 <a16:creationId xmlns:a16="http://schemas.microsoft.com/office/drawing/2014/main" id="{3850DB66-16D1-4953-A6E3-FCA3DC5F276F}"/>
               </a:ext>
               <a:ext uri="{C183D7F6-B498-43B3-948B-1728B52AA6E4}">
-                <adec:decorative xmlns:adec="http://schemas.microsoft.com/office/drawing/2017/decorative" xmlns="" val="1"/>
+                <adec:decorative xmlns:adec="http://schemas.microsoft.com/office/drawing/2017/decorative" val="1"/>
               </a:ext>
             </a:extLst>
           </p:cNvPr>
@@ -30594,7 +30424,7 @@
                   <a16:creationId xmlns:a16="http://schemas.microsoft.com/office/drawing/2014/main" id="{D698AB2F-1D17-4249-81CB-9A41D46B8E38}"/>
                 </a:ext>
                 <a:ext uri="{C183D7F6-B498-43B3-948B-1728B52AA6E4}">
-                  <adec:decorative xmlns:adec="http://schemas.microsoft.com/office/drawing/2017/decorative" xmlns="" val="1"/>
+                  <adec:decorative xmlns:adec="http://schemas.microsoft.com/office/drawing/2017/decorative" val="1"/>
                 </a:ext>
               </a:extLst>
             </p:cNvPr>
@@ -30761,7 +30591,7 @@
                   <a16:creationId xmlns:a16="http://schemas.microsoft.com/office/drawing/2014/main" id="{F5301961-8687-4ADB-8043-4065F4707647}"/>
                 </a:ext>
                 <a:ext uri="{C183D7F6-B498-43B3-948B-1728B52AA6E4}">
-                  <adec:decorative xmlns:adec="http://schemas.microsoft.com/office/drawing/2017/decorative" xmlns="" val="1"/>
+                  <adec:decorative xmlns:adec="http://schemas.microsoft.com/office/drawing/2017/decorative" val="1"/>
                 </a:ext>
               </a:extLst>
             </p:cNvPr>
@@ -30918,7 +30748,7 @@
                   <a16:creationId xmlns:a16="http://schemas.microsoft.com/office/drawing/2014/main" id="{9DC20816-893A-4201-AA91-22F71E46F941}"/>
                 </a:ext>
                 <a:ext uri="{C183D7F6-B498-43B3-948B-1728B52AA6E4}">
-                  <adec:decorative xmlns:adec="http://schemas.microsoft.com/office/drawing/2017/decorative" xmlns="" val="1"/>
+                  <adec:decorative xmlns:adec="http://schemas.microsoft.com/office/drawing/2017/decorative" val="1"/>
                 </a:ext>
               </a:extLst>
             </p:cNvPr>
@@ -31050,7 +30880,7 @@
                   <a16:creationId xmlns:a16="http://schemas.microsoft.com/office/drawing/2014/main" id="{866D1F4E-BA21-44F3-A97A-E979C5FE781A}"/>
                 </a:ext>
                 <a:ext uri="{C183D7F6-B498-43B3-948B-1728B52AA6E4}">
-                  <adec:decorative xmlns:adec="http://schemas.microsoft.com/office/drawing/2017/decorative" xmlns="" val="1"/>
+                  <adec:decorative xmlns:adec="http://schemas.microsoft.com/office/drawing/2017/decorative" val="1"/>
                 </a:ext>
               </a:extLst>
             </p:cNvPr>
@@ -31182,7 +31012,7 @@
                   <a16:creationId xmlns:a16="http://schemas.microsoft.com/office/drawing/2014/main" id="{B35EADCB-1DB5-4B69-892B-14567F5280EF}"/>
                 </a:ext>
                 <a:ext uri="{C183D7F6-B498-43B3-948B-1728B52AA6E4}">
-                  <adec:decorative xmlns:adec="http://schemas.microsoft.com/office/drawing/2017/decorative" xmlns="" val="1"/>
+                  <adec:decorative xmlns:adec="http://schemas.microsoft.com/office/drawing/2017/decorative" val="1"/>
                 </a:ext>
               </a:extLst>
             </p:cNvPr>
@@ -31425,7 +31255,7 @@
                 <a16:creationId xmlns:a16="http://schemas.microsoft.com/office/drawing/2014/main" id="{435959F4-53DA-47FF-BC24-1E5B75C69876}"/>
               </a:ext>
               <a:ext uri="{C183D7F6-B498-43B3-948B-1728B52AA6E4}">
-                <adec:decorative xmlns:adec="http://schemas.microsoft.com/office/drawing/2017/decorative" xmlns="" val="1"/>
+                <adec:decorative xmlns:adec="http://schemas.microsoft.com/office/drawing/2017/decorative" val="1"/>
               </a:ext>
             </a:extLst>
           </p:cNvPr>
@@ -31585,7 +31415,7 @@
                 <a16:creationId xmlns:a16="http://schemas.microsoft.com/office/drawing/2014/main" id="{A7CF83E8-F6F0-41E3-B580-7412A04DDFB5}"/>
               </a:ext>
               <a:ext uri="{C183D7F6-B498-43B3-948B-1728B52AA6E4}">
-                <adec:decorative xmlns:adec="http://schemas.microsoft.com/office/drawing/2017/decorative" xmlns="" val="1"/>
+                <adec:decorative xmlns:adec="http://schemas.microsoft.com/office/drawing/2017/decorative" val="1"/>
               </a:ext>
             </a:extLst>
           </p:cNvPr>
@@ -31619,7 +31449,7 @@
                   <a16:creationId xmlns:a16="http://schemas.microsoft.com/office/drawing/2014/main" id="{1A0B6DBB-705D-48D0-842C-F9DFA7684D19}"/>
                 </a:ext>
                 <a:ext uri="{C183D7F6-B498-43B3-948B-1728B52AA6E4}">
-                  <adec:decorative xmlns:adec="http://schemas.microsoft.com/office/drawing/2017/decorative" xmlns="" val="1"/>
+                  <adec:decorative xmlns:adec="http://schemas.microsoft.com/office/drawing/2017/decorative" val="1"/>
                 </a:ext>
               </a:extLst>
             </p:cNvPr>
@@ -31786,7 +31616,7 @@
                   <a16:creationId xmlns:a16="http://schemas.microsoft.com/office/drawing/2014/main" id="{C194A764-16E1-4D0D-9357-76F80E6086C0}"/>
                 </a:ext>
                 <a:ext uri="{C183D7F6-B498-43B3-948B-1728B52AA6E4}">
-                  <adec:decorative xmlns:adec="http://schemas.microsoft.com/office/drawing/2017/decorative" xmlns="" val="1"/>
+                  <adec:decorative xmlns:adec="http://schemas.microsoft.com/office/drawing/2017/decorative" val="1"/>
                 </a:ext>
               </a:extLst>
             </p:cNvPr>
@@ -31963,7 +31793,7 @@
                   <a16:creationId xmlns:a16="http://schemas.microsoft.com/office/drawing/2014/main" id="{115B7F3F-A40D-4F24-8536-E2420B433211}"/>
                 </a:ext>
                 <a:ext uri="{C183D7F6-B498-43B3-948B-1728B52AA6E4}">
-                  <adec:decorative xmlns:adec="http://schemas.microsoft.com/office/drawing/2017/decorative" xmlns="" val="1"/>
+                  <adec:decorative xmlns:adec="http://schemas.microsoft.com/office/drawing/2017/decorative" val="1"/>
                 </a:ext>
               </a:extLst>
             </p:cNvPr>
@@ -32120,7 +31950,7 @@
                   <a16:creationId xmlns:a16="http://schemas.microsoft.com/office/drawing/2014/main" id="{CEF42844-A829-4ED2-A360-63BB2A7C45EE}"/>
                 </a:ext>
                 <a:ext uri="{C183D7F6-B498-43B3-948B-1728B52AA6E4}">
-                  <adec:decorative xmlns:adec="http://schemas.microsoft.com/office/drawing/2017/decorative" xmlns="" val="1"/>
+                  <adec:decorative xmlns:adec="http://schemas.microsoft.com/office/drawing/2017/decorative" val="1"/>
                 </a:ext>
               </a:extLst>
             </p:cNvPr>
@@ -32253,7 +32083,7 @@
                   <a16:creationId xmlns:a16="http://schemas.microsoft.com/office/drawing/2014/main" id="{57B23B52-A1C3-44EF-BC11-9094A0DA11AB}"/>
                 </a:ext>
                 <a:ext uri="{C183D7F6-B498-43B3-948B-1728B52AA6E4}">
-                  <adec:decorative xmlns:adec="http://schemas.microsoft.com/office/drawing/2017/decorative" xmlns="" val="1"/>
+                  <adec:decorative xmlns:adec="http://schemas.microsoft.com/office/drawing/2017/decorative" val="1"/>
                 </a:ext>
               </a:extLst>
             </p:cNvPr>
@@ -32385,7 +32215,7 @@
                   <a16:creationId xmlns:a16="http://schemas.microsoft.com/office/drawing/2014/main" id="{064E08E5-DA92-4CF2-A0BF-E341800227B2}"/>
                 </a:ext>
                 <a:ext uri="{C183D7F6-B498-43B3-948B-1728B52AA6E4}">
-                  <adec:decorative xmlns:adec="http://schemas.microsoft.com/office/drawing/2017/decorative" xmlns="" val="1"/>
+                  <adec:decorative xmlns:adec="http://schemas.microsoft.com/office/drawing/2017/decorative" val="1"/>
                 </a:ext>
               </a:extLst>
             </p:cNvPr>
@@ -32517,7 +32347,7 @@
                   <a16:creationId xmlns:a16="http://schemas.microsoft.com/office/drawing/2014/main" id="{7A222560-E657-4CAE-B667-7BE9E224B244}"/>
                 </a:ext>
                 <a:ext uri="{C183D7F6-B498-43B3-948B-1728B52AA6E4}">
-                  <adec:decorative xmlns:adec="http://schemas.microsoft.com/office/drawing/2017/decorative" xmlns="" val="1"/>
+                  <adec:decorative xmlns:adec="http://schemas.microsoft.com/office/drawing/2017/decorative" val="1"/>
                 </a:ext>
               </a:extLst>
             </p:cNvPr>
@@ -32686,7 +32516,7 @@
                 <a16:creationId xmlns:a16="http://schemas.microsoft.com/office/drawing/2014/main" id="{59226104-0061-4319-8237-9C001BF85D49}"/>
               </a:ext>
               <a:ext uri="{C183D7F6-B498-43B3-948B-1728B52AA6E4}">
-                <adec:decorative xmlns:adec="http://schemas.microsoft.com/office/drawing/2017/decorative" xmlns="" val="1"/>
+                <adec:decorative xmlns:adec="http://schemas.microsoft.com/office/drawing/2017/decorative" val="1"/>
               </a:ext>
             </a:extLst>
           </p:cNvPr>
@@ -32836,7 +32666,7 @@
                 <a16:creationId xmlns:a16="http://schemas.microsoft.com/office/drawing/2014/main" id="{51B01909-73B8-4486-A749-C643B1D7E361}"/>
               </a:ext>
               <a:ext uri="{C183D7F6-B498-43B3-948B-1728B52AA6E4}">
-                <adec:decorative xmlns:adec="http://schemas.microsoft.com/office/drawing/2017/decorative" xmlns="" val="1"/>
+                <adec:decorative xmlns:adec="http://schemas.microsoft.com/office/drawing/2017/decorative" val="1"/>
               </a:ext>
             </a:extLst>
           </p:cNvPr>
@@ -32870,7 +32700,7 @@
                   <a16:creationId xmlns:a16="http://schemas.microsoft.com/office/drawing/2014/main" id="{5E279D86-4533-45F1-B0AA-D237399A5ED5}"/>
                 </a:ext>
                 <a:ext uri="{C183D7F6-B498-43B3-948B-1728B52AA6E4}">
-                  <adec:decorative xmlns:adec="http://schemas.microsoft.com/office/drawing/2017/decorative" xmlns="" val="1"/>
+                  <adec:decorative xmlns:adec="http://schemas.microsoft.com/office/drawing/2017/decorative" val="1"/>
                 </a:ext>
               </a:extLst>
             </p:cNvPr>
@@ -32941,7 +32771,7 @@
                   <a16:creationId xmlns:a16="http://schemas.microsoft.com/office/drawing/2014/main" id="{764FD722-CB31-4326-ADD8-CBA52FD1FF59}"/>
                 </a:ext>
                 <a:ext uri="{C183D7F6-B498-43B3-948B-1728B52AA6E4}">
-                  <adec:decorative xmlns:adec="http://schemas.microsoft.com/office/drawing/2017/decorative" xmlns="" val="1"/>
+                  <adec:decorative xmlns:adec="http://schemas.microsoft.com/office/drawing/2017/decorative" val="1"/>
                 </a:ext>
               </a:extLst>
             </p:cNvPr>
@@ -32971,7 +32801,7 @@
                     <a16:creationId xmlns:a16="http://schemas.microsoft.com/office/drawing/2014/main" id="{24E4BCEC-8B0A-444E-8509-1B3BB0449E5B}"/>
                   </a:ext>
                   <a:ext uri="{C183D7F6-B498-43B3-948B-1728B52AA6E4}">
-                    <adec:decorative xmlns:adec="http://schemas.microsoft.com/office/drawing/2017/decorative" xmlns="" val="1"/>
+                    <adec:decorative xmlns:adec="http://schemas.microsoft.com/office/drawing/2017/decorative" val="1"/>
                   </a:ext>
                 </a:extLst>
               </p:cNvPr>
@@ -33055,7 +32885,7 @@
                     <a16:creationId xmlns:a16="http://schemas.microsoft.com/office/drawing/2014/main" id="{9DB36622-1DC7-4B17-8984-588BA8999FF6}"/>
                   </a:ext>
                   <a:ext uri="{C183D7F6-B498-43B3-948B-1728B52AA6E4}">
-                    <adec:decorative xmlns:adec="http://schemas.microsoft.com/office/drawing/2017/decorative" xmlns="" val="1"/>
+                    <adec:decorative xmlns:adec="http://schemas.microsoft.com/office/drawing/2017/decorative" val="1"/>
                   </a:ext>
                 </a:extLst>
               </p:cNvPr>
@@ -33149,7 +32979,7 @@
                     <a16:creationId xmlns:a16="http://schemas.microsoft.com/office/drawing/2014/main" id="{51B97AF0-1974-42B9-B5FC-A332C52E8272}"/>
                   </a:ext>
                   <a:ext uri="{C183D7F6-B498-43B3-948B-1728B52AA6E4}">
-                    <adec:decorative xmlns:adec="http://schemas.microsoft.com/office/drawing/2017/decorative" xmlns="" val="1"/>
+                    <adec:decorative xmlns:adec="http://schemas.microsoft.com/office/drawing/2017/decorative" val="1"/>
                   </a:ext>
                 </a:extLst>
               </p:cNvPr>
@@ -33233,7 +33063,7 @@
                     <a16:creationId xmlns:a16="http://schemas.microsoft.com/office/drawing/2014/main" id="{95A298AD-BE5D-4BE1-8CDF-DBFB42D63FEB}"/>
                   </a:ext>
                   <a:ext uri="{C183D7F6-B498-43B3-948B-1728B52AA6E4}">
-                    <adec:decorative xmlns:adec="http://schemas.microsoft.com/office/drawing/2017/decorative" xmlns="" val="1"/>
+                    <adec:decorative xmlns:adec="http://schemas.microsoft.com/office/drawing/2017/decorative" val="1"/>
                   </a:ext>
                 </a:extLst>
               </p:cNvPr>
@@ -33749,7 +33579,7 @@
                 <a16:creationId xmlns:a16="http://schemas.microsoft.com/office/drawing/2014/main" id="{A5D0B0D3-D735-4619-AA45-B57B791E1744}"/>
               </a:ext>
               <a:ext uri="{C183D7F6-B498-43B3-948B-1728B52AA6E4}">
-                <adec:decorative xmlns:adec="http://schemas.microsoft.com/office/drawing/2017/decorative" xmlns="" val="1"/>
+                <adec:decorative xmlns:adec="http://schemas.microsoft.com/office/drawing/2017/decorative" val="1"/>
               </a:ext>
             </a:extLst>
           </p:cNvPr>
@@ -33824,7 +33654,7 @@
                 <a16:creationId xmlns:a16="http://schemas.microsoft.com/office/drawing/2014/main" id="{06B4C967-D337-479B-87CA-7587B7FCFF5E}"/>
               </a:ext>
               <a:ext uri="{C183D7F6-B498-43B3-948B-1728B52AA6E4}">
-                <adec:decorative xmlns:adec="http://schemas.microsoft.com/office/drawing/2017/decorative" xmlns="" val="1"/>
+                <adec:decorative xmlns:adec="http://schemas.microsoft.com/office/drawing/2017/decorative" val="1"/>
               </a:ext>
             </a:extLst>
           </p:cNvPr>
@@ -33858,7 +33688,7 @@
                   <a16:creationId xmlns:a16="http://schemas.microsoft.com/office/drawing/2014/main" id="{6EF1A9DB-7052-4254-8534-9AAED6F6B652}"/>
                 </a:ext>
                 <a:ext uri="{C183D7F6-B498-43B3-948B-1728B52AA6E4}">
-                  <adec:decorative xmlns:adec="http://schemas.microsoft.com/office/drawing/2017/decorative" xmlns="" val="1"/>
+                  <adec:decorative xmlns:adec="http://schemas.microsoft.com/office/drawing/2017/decorative" val="1"/>
                 </a:ext>
               </a:extLst>
             </p:cNvPr>
@@ -33929,7 +33759,7 @@
                   <a16:creationId xmlns:a16="http://schemas.microsoft.com/office/drawing/2014/main" id="{55D44775-F9E3-4142-8CDB-277AEF2F3880}"/>
                 </a:ext>
                 <a:ext uri="{C183D7F6-B498-43B3-948B-1728B52AA6E4}">
-                  <adec:decorative xmlns:adec="http://schemas.microsoft.com/office/drawing/2017/decorative" xmlns="" val="1"/>
+                  <adec:decorative xmlns:adec="http://schemas.microsoft.com/office/drawing/2017/decorative" val="1"/>
                 </a:ext>
               </a:extLst>
             </p:cNvPr>
@@ -33959,7 +33789,7 @@
                     <a16:creationId xmlns:a16="http://schemas.microsoft.com/office/drawing/2014/main" id="{93BB9C83-6DC3-450C-BFAD-0CB5EAD294F1}"/>
                   </a:ext>
                   <a:ext uri="{C183D7F6-B498-43B3-948B-1728B52AA6E4}">
-                    <adec:decorative xmlns:adec="http://schemas.microsoft.com/office/drawing/2017/decorative" xmlns="" val="1"/>
+                    <adec:decorative xmlns:adec="http://schemas.microsoft.com/office/drawing/2017/decorative" val="1"/>
                   </a:ext>
                 </a:extLst>
               </p:cNvPr>
@@ -34043,7 +33873,7 @@
                     <a16:creationId xmlns:a16="http://schemas.microsoft.com/office/drawing/2014/main" id="{4E01AF91-A65B-4AE1-96C9-4168BD8F900A}"/>
                   </a:ext>
                   <a:ext uri="{C183D7F6-B498-43B3-948B-1728B52AA6E4}">
-                    <adec:decorative xmlns:adec="http://schemas.microsoft.com/office/drawing/2017/decorative" xmlns="" val="1"/>
+                    <adec:decorative xmlns:adec="http://schemas.microsoft.com/office/drawing/2017/decorative" val="1"/>
                   </a:ext>
                 </a:extLst>
               </p:cNvPr>
@@ -34137,7 +33967,7 @@
                     <a16:creationId xmlns:a16="http://schemas.microsoft.com/office/drawing/2014/main" id="{0AD45C08-DFB9-441F-A901-BCB9B03058D7}"/>
                   </a:ext>
                   <a:ext uri="{C183D7F6-B498-43B3-948B-1728B52AA6E4}">
-                    <adec:decorative xmlns:adec="http://schemas.microsoft.com/office/drawing/2017/decorative" xmlns="" val="1"/>
+                    <adec:decorative xmlns:adec="http://schemas.microsoft.com/office/drawing/2017/decorative" val="1"/>
                   </a:ext>
                 </a:extLst>
               </p:cNvPr>
@@ -34221,7 +34051,7 @@
                     <a16:creationId xmlns:a16="http://schemas.microsoft.com/office/drawing/2014/main" id="{E05BEC0E-4EE4-42C4-BF0B-15F9AC518157}"/>
                   </a:ext>
                   <a:ext uri="{C183D7F6-B498-43B3-948B-1728B52AA6E4}">
-                    <adec:decorative xmlns:adec="http://schemas.microsoft.com/office/drawing/2017/decorative" xmlns="" val="1"/>
+                    <adec:decorative xmlns:adec="http://schemas.microsoft.com/office/drawing/2017/decorative" val="1"/>
                   </a:ext>
                 </a:extLst>
               </p:cNvPr>
@@ -34737,7 +34567,7 @@
                 <a16:creationId xmlns:a16="http://schemas.microsoft.com/office/drawing/2014/main" id="{752C2BA4-3BBE-4D22-A0D9-8D2A7B8F1C71}"/>
               </a:ext>
               <a:ext uri="{C183D7F6-B498-43B3-948B-1728B52AA6E4}">
-                <adec:decorative xmlns:adec="http://schemas.microsoft.com/office/drawing/2017/decorative" xmlns="" val="1"/>
+                <adec:decorative xmlns:adec="http://schemas.microsoft.com/office/drawing/2017/decorative" val="1"/>
               </a:ext>
             </a:extLst>
           </p:cNvPr>
@@ -34928,7 +34758,7 @@
                 <a16:creationId xmlns:a16="http://schemas.microsoft.com/office/drawing/2014/main" id="{82AA7049-B18D-49D6-AD7D-DBB9E19FBB78}"/>
               </a:ext>
               <a:ext uri="{C183D7F6-B498-43B3-948B-1728B52AA6E4}">
-                <adec:decorative xmlns:adec="http://schemas.microsoft.com/office/drawing/2017/decorative" xmlns="" val="1"/>
+                <adec:decorative xmlns:adec="http://schemas.microsoft.com/office/drawing/2017/decorative" val="1"/>
               </a:ext>
             </a:extLst>
           </p:cNvPr>
@@ -35077,7 +34907,7 @@
                 <a16:creationId xmlns:a16="http://schemas.microsoft.com/office/drawing/2014/main" id="{3850DB66-16D1-4953-A6E3-FCA3DC5F276F}"/>
               </a:ext>
               <a:ext uri="{C183D7F6-B498-43B3-948B-1728B52AA6E4}">
-                <adec:decorative xmlns:adec="http://schemas.microsoft.com/office/drawing/2017/decorative" xmlns="" val="1"/>
+                <adec:decorative xmlns:adec="http://schemas.microsoft.com/office/drawing/2017/decorative" val="1"/>
               </a:ext>
             </a:extLst>
           </p:cNvPr>
@@ -35111,7 +34941,7 @@
                   <a16:creationId xmlns:a16="http://schemas.microsoft.com/office/drawing/2014/main" id="{D698AB2F-1D17-4249-81CB-9A41D46B8E38}"/>
                 </a:ext>
                 <a:ext uri="{C183D7F6-B498-43B3-948B-1728B52AA6E4}">
-                  <adec:decorative xmlns:adec="http://schemas.microsoft.com/office/drawing/2017/decorative" xmlns="" val="1"/>
+                  <adec:decorative xmlns:adec="http://schemas.microsoft.com/office/drawing/2017/decorative" val="1"/>
                 </a:ext>
               </a:extLst>
             </p:cNvPr>
@@ -35278,7 +35108,7 @@
                   <a16:creationId xmlns:a16="http://schemas.microsoft.com/office/drawing/2014/main" id="{F5301961-8687-4ADB-8043-4065F4707647}"/>
                 </a:ext>
                 <a:ext uri="{C183D7F6-B498-43B3-948B-1728B52AA6E4}">
-                  <adec:decorative xmlns:adec="http://schemas.microsoft.com/office/drawing/2017/decorative" xmlns="" val="1"/>
+                  <adec:decorative xmlns:adec="http://schemas.microsoft.com/office/drawing/2017/decorative" val="1"/>
                 </a:ext>
               </a:extLst>
             </p:cNvPr>
@@ -35435,7 +35265,7 @@
                   <a16:creationId xmlns:a16="http://schemas.microsoft.com/office/drawing/2014/main" id="{9DC20816-893A-4201-AA91-22F71E46F941}"/>
                 </a:ext>
                 <a:ext uri="{C183D7F6-B498-43B3-948B-1728B52AA6E4}">
-                  <adec:decorative xmlns:adec="http://schemas.microsoft.com/office/drawing/2017/decorative" xmlns="" val="1"/>
+                  <adec:decorative xmlns:adec="http://schemas.microsoft.com/office/drawing/2017/decorative" val="1"/>
                 </a:ext>
               </a:extLst>
             </p:cNvPr>
@@ -35567,7 +35397,7 @@
                   <a16:creationId xmlns:a16="http://schemas.microsoft.com/office/drawing/2014/main" id="{866D1F4E-BA21-44F3-A97A-E979C5FE781A}"/>
                 </a:ext>
                 <a:ext uri="{C183D7F6-B498-43B3-948B-1728B52AA6E4}">
-                  <adec:decorative xmlns:adec="http://schemas.microsoft.com/office/drawing/2017/decorative" xmlns="" val="1"/>
+                  <adec:decorative xmlns:adec="http://schemas.microsoft.com/office/drawing/2017/decorative" val="1"/>
                 </a:ext>
               </a:extLst>
             </p:cNvPr>
@@ -35699,7 +35529,7 @@
                   <a16:creationId xmlns:a16="http://schemas.microsoft.com/office/drawing/2014/main" id="{B35EADCB-1DB5-4B69-892B-14567F5280EF}"/>
                 </a:ext>
                 <a:ext uri="{C183D7F6-B498-43B3-948B-1728B52AA6E4}">
-                  <adec:decorative xmlns:adec="http://schemas.microsoft.com/office/drawing/2017/decorative" xmlns="" val="1"/>
+                  <adec:decorative xmlns:adec="http://schemas.microsoft.com/office/drawing/2017/decorative" val="1"/>
                 </a:ext>
               </a:extLst>
             </p:cNvPr>
@@ -35970,37 +35800,14 @@
                 <a:ea typeface="+mn-ea"/>
                 <a:cs typeface="Segoe UI" panose="020B0502040204020203" pitchFamily="34" charset="0"/>
               </a:rPr>
-              <a:t>Con la elaboración de la página Web se permitirá la gestión de ventas beneficiando el manejo eficiente de la operación y administración de la información generada en la organización, presentándola de manera confiable y oportuna contribuyendo en la toma de decisiones. A su vez, mejorará el sistema de búsqueda de productos, tendrá un control de inventario y agilización de las ventas, brindando a los empleados un mejor desempeño </a:t>
-            </a:r>
-            <a:r>
-              <a:rPr lang="es-ES" sz="1800" i="0" dirty="0" smtClean="0">
-                <a:latin typeface="Segoe UI" panose="020B0502040204020203" pitchFamily="34" charset="0"/>
-                <a:ea typeface="+mn-ea"/>
-                <a:cs typeface="Segoe UI" panose="020B0502040204020203" pitchFamily="34" charset="0"/>
-              </a:rPr>
-              <a:t>laboral. L</a:t>
-            </a:r>
-            <a:r>
-              <a:rPr lang="es-ES" dirty="0" smtClean="0">
-                <a:latin typeface="Segoe UI" panose="020B0502040204020203" pitchFamily="34" charset="0"/>
-                <a:cs typeface="Segoe UI" panose="020B0502040204020203" pitchFamily="34" charset="0"/>
-              </a:rPr>
-              <a:t>os </a:t>
+              <a:t>Con la elaboración de la página Web se permitirá la gestión de ventas beneficiando el manejo eficiente de la operación y administración de la información generada en la organización, presentándola de manera confiable y oportuna contribuyendo en la toma de decisiones. A su vez, mejorará el sistema de búsqueda de productos, tendrá un control de inventario y agilización de las ventas, brindando a los empleados un mejor desempeño laboral. L</a:t>
             </a:r>
             <a:r>
               <a:rPr lang="es-ES" dirty="0">
                 <a:latin typeface="Segoe UI" panose="020B0502040204020203" pitchFamily="34" charset="0"/>
                 <a:cs typeface="Segoe UI" panose="020B0502040204020203" pitchFamily="34" charset="0"/>
               </a:rPr>
-              <a:t>principales beneficiarios serán los propietarios y empleados de la empresa, quienes lograrán realizar sus operaciones de una forma más eficiente. Así mismo, los clientes verán reflejados los beneficios de este nuevo sistema en una mejor atención por parte del departamento de ventas de WUKY y por otro lado los estudiantes que desarrollan el presente proyecto, a quienes les permitirá aplicar de forma directa los conocimientos adquiridos durante el desarrollo de su Tecnólogo aplicándolos a una problemática empresarial. </a:t>
-            </a:r>
-            <a:r>
-              <a:rPr lang="es-ES" sz="1800" i="0" dirty="0">
-                <a:latin typeface="Segoe UI" panose="020B0502040204020203" pitchFamily="34" charset="0"/>
-                <a:ea typeface="+mn-ea"/>
-                <a:cs typeface="Segoe UI" panose="020B0502040204020203" pitchFamily="34" charset="0"/>
-              </a:rPr>
-              <a:t/>
+              <a:t>os principales beneficiarios serán los propietarios y empleados de la empresa, quienes lograrán realizar sus operaciones de una forma más eficiente. Así mismo, los clientes verán reflejados los beneficios de este nuevo sistema en una mejor atención por parte del departamento de ventas de WUKY y por otro lado los estudiantes que desarrollan el presente proyecto, a quienes les permitirá aplicar de forma directa los conocimientos adquiridos durante el desarrollo de su Tecnólogo aplicándolos a una problemática empresarial. </a:t>
             </a:r>
             <a:br>
               <a:rPr lang="es-ES" sz="1800" i="0" dirty="0">
@@ -36200,7 +36007,7 @@
                 <a16:creationId xmlns:a16="http://schemas.microsoft.com/office/drawing/2014/main" id="{435959F4-53DA-47FF-BC24-1E5B75C69876}"/>
               </a:ext>
               <a:ext uri="{C183D7F6-B498-43B3-948B-1728B52AA6E4}">
-                <adec:decorative xmlns:adec="http://schemas.microsoft.com/office/drawing/2017/decorative" xmlns="" val="1"/>
+                <adec:decorative xmlns:adec="http://schemas.microsoft.com/office/drawing/2017/decorative" val="1"/>
               </a:ext>
             </a:extLst>
           </p:cNvPr>
@@ -36360,7 +36167,7 @@
                 <a16:creationId xmlns:a16="http://schemas.microsoft.com/office/drawing/2014/main" id="{A7CF83E8-F6F0-41E3-B580-7412A04DDFB5}"/>
               </a:ext>
               <a:ext uri="{C183D7F6-B498-43B3-948B-1728B52AA6E4}">
-                <adec:decorative xmlns:adec="http://schemas.microsoft.com/office/drawing/2017/decorative" xmlns="" val="1"/>
+                <adec:decorative xmlns:adec="http://schemas.microsoft.com/office/drawing/2017/decorative" val="1"/>
               </a:ext>
             </a:extLst>
           </p:cNvPr>
@@ -36394,7 +36201,7 @@
                   <a16:creationId xmlns:a16="http://schemas.microsoft.com/office/drawing/2014/main" id="{1A0B6DBB-705D-48D0-842C-F9DFA7684D19}"/>
                 </a:ext>
                 <a:ext uri="{C183D7F6-B498-43B3-948B-1728B52AA6E4}">
-                  <adec:decorative xmlns:adec="http://schemas.microsoft.com/office/drawing/2017/decorative" xmlns="" val="1"/>
+                  <adec:decorative xmlns:adec="http://schemas.microsoft.com/office/drawing/2017/decorative" val="1"/>
                 </a:ext>
               </a:extLst>
             </p:cNvPr>
@@ -36561,7 +36368,7 @@
                   <a16:creationId xmlns:a16="http://schemas.microsoft.com/office/drawing/2014/main" id="{C194A764-16E1-4D0D-9357-76F80E6086C0}"/>
                 </a:ext>
                 <a:ext uri="{C183D7F6-B498-43B3-948B-1728B52AA6E4}">
-                  <adec:decorative xmlns:adec="http://schemas.microsoft.com/office/drawing/2017/decorative" xmlns="" val="1"/>
+                  <adec:decorative xmlns:adec="http://schemas.microsoft.com/office/drawing/2017/decorative" val="1"/>
                 </a:ext>
               </a:extLst>
             </p:cNvPr>
@@ -36738,7 +36545,7 @@
                   <a16:creationId xmlns:a16="http://schemas.microsoft.com/office/drawing/2014/main" id="{115B7F3F-A40D-4F24-8536-E2420B433211}"/>
                 </a:ext>
                 <a:ext uri="{C183D7F6-B498-43B3-948B-1728B52AA6E4}">
-                  <adec:decorative xmlns:adec="http://schemas.microsoft.com/office/drawing/2017/decorative" xmlns="" val="1"/>
+                  <adec:decorative xmlns:adec="http://schemas.microsoft.com/office/drawing/2017/decorative" val="1"/>
                 </a:ext>
               </a:extLst>
             </p:cNvPr>
@@ -36895,7 +36702,7 @@
                   <a16:creationId xmlns:a16="http://schemas.microsoft.com/office/drawing/2014/main" id="{CEF42844-A829-4ED2-A360-63BB2A7C45EE}"/>
                 </a:ext>
                 <a:ext uri="{C183D7F6-B498-43B3-948B-1728B52AA6E4}">
-                  <adec:decorative xmlns:adec="http://schemas.microsoft.com/office/drawing/2017/decorative" xmlns="" val="1"/>
+                  <adec:decorative xmlns:adec="http://schemas.microsoft.com/office/drawing/2017/decorative" val="1"/>
                 </a:ext>
               </a:extLst>
             </p:cNvPr>
@@ -37028,7 +36835,7 @@
                   <a16:creationId xmlns:a16="http://schemas.microsoft.com/office/drawing/2014/main" id="{57B23B52-A1C3-44EF-BC11-9094A0DA11AB}"/>
                 </a:ext>
                 <a:ext uri="{C183D7F6-B498-43B3-948B-1728B52AA6E4}">
-                  <adec:decorative xmlns:adec="http://schemas.microsoft.com/office/drawing/2017/decorative" xmlns="" val="1"/>
+                  <adec:decorative xmlns:adec="http://schemas.microsoft.com/office/drawing/2017/decorative" val="1"/>
                 </a:ext>
               </a:extLst>
             </p:cNvPr>
@@ -37160,7 +36967,7 @@
                   <a16:creationId xmlns:a16="http://schemas.microsoft.com/office/drawing/2014/main" id="{064E08E5-DA92-4CF2-A0BF-E341800227B2}"/>
                 </a:ext>
                 <a:ext uri="{C183D7F6-B498-43B3-948B-1728B52AA6E4}">
-                  <adec:decorative xmlns:adec="http://schemas.microsoft.com/office/drawing/2017/decorative" xmlns="" val="1"/>
+                  <adec:decorative xmlns:adec="http://schemas.microsoft.com/office/drawing/2017/decorative" val="1"/>
                 </a:ext>
               </a:extLst>
             </p:cNvPr>
@@ -37292,7 +37099,7 @@
                   <a16:creationId xmlns:a16="http://schemas.microsoft.com/office/drawing/2014/main" id="{7A222560-E657-4CAE-B667-7BE9E224B244}"/>
                 </a:ext>
                 <a:ext uri="{C183D7F6-B498-43B3-948B-1728B52AA6E4}">
-                  <adec:decorative xmlns:adec="http://schemas.microsoft.com/office/drawing/2017/decorative" xmlns="" val="1"/>
+                  <adec:decorative xmlns:adec="http://schemas.microsoft.com/office/drawing/2017/decorative" val="1"/>
                 </a:ext>
               </a:extLst>
             </p:cNvPr>
@@ -37461,7 +37268,7 @@
                 <a16:creationId xmlns:a16="http://schemas.microsoft.com/office/drawing/2014/main" id="{59226104-0061-4319-8237-9C001BF85D49}"/>
               </a:ext>
               <a:ext uri="{C183D7F6-B498-43B3-948B-1728B52AA6E4}">
-                <adec:decorative xmlns:adec="http://schemas.microsoft.com/office/drawing/2017/decorative" xmlns="" val="1"/>
+                <adec:decorative xmlns:adec="http://schemas.microsoft.com/office/drawing/2017/decorative" val="1"/>
               </a:ext>
             </a:extLst>
           </p:cNvPr>
@@ -37611,7 +37418,7 @@
                 <a16:creationId xmlns:a16="http://schemas.microsoft.com/office/drawing/2014/main" id="{51B01909-73B8-4486-A749-C643B1D7E361}"/>
               </a:ext>
               <a:ext uri="{C183D7F6-B498-43B3-948B-1728B52AA6E4}">
-                <adec:decorative xmlns:adec="http://schemas.microsoft.com/office/drawing/2017/decorative" xmlns="" val="1"/>
+                <adec:decorative xmlns:adec="http://schemas.microsoft.com/office/drawing/2017/decorative" val="1"/>
               </a:ext>
             </a:extLst>
           </p:cNvPr>
@@ -37645,7 +37452,7 @@
                   <a16:creationId xmlns:a16="http://schemas.microsoft.com/office/drawing/2014/main" id="{5E279D86-4533-45F1-B0AA-D237399A5ED5}"/>
                 </a:ext>
                 <a:ext uri="{C183D7F6-B498-43B3-948B-1728B52AA6E4}">
-                  <adec:decorative xmlns:adec="http://schemas.microsoft.com/office/drawing/2017/decorative" xmlns="" val="1"/>
+                  <adec:decorative xmlns:adec="http://schemas.microsoft.com/office/drawing/2017/decorative" val="1"/>
                 </a:ext>
               </a:extLst>
             </p:cNvPr>
@@ -37716,7 +37523,7 @@
                   <a16:creationId xmlns:a16="http://schemas.microsoft.com/office/drawing/2014/main" id="{764FD722-CB31-4326-ADD8-CBA52FD1FF59}"/>
                 </a:ext>
                 <a:ext uri="{C183D7F6-B498-43B3-948B-1728B52AA6E4}">
-                  <adec:decorative xmlns:adec="http://schemas.microsoft.com/office/drawing/2017/decorative" xmlns="" val="1"/>
+                  <adec:decorative xmlns:adec="http://schemas.microsoft.com/office/drawing/2017/decorative" val="1"/>
                 </a:ext>
               </a:extLst>
             </p:cNvPr>
@@ -37746,7 +37553,7 @@
                     <a16:creationId xmlns:a16="http://schemas.microsoft.com/office/drawing/2014/main" id="{24E4BCEC-8B0A-444E-8509-1B3BB0449E5B}"/>
                   </a:ext>
                   <a:ext uri="{C183D7F6-B498-43B3-948B-1728B52AA6E4}">
-                    <adec:decorative xmlns:adec="http://schemas.microsoft.com/office/drawing/2017/decorative" xmlns="" val="1"/>
+                    <adec:decorative xmlns:adec="http://schemas.microsoft.com/office/drawing/2017/decorative" val="1"/>
                   </a:ext>
                 </a:extLst>
               </p:cNvPr>
@@ -37830,7 +37637,7 @@
                     <a16:creationId xmlns:a16="http://schemas.microsoft.com/office/drawing/2014/main" id="{9DB36622-1DC7-4B17-8984-588BA8999FF6}"/>
                   </a:ext>
                   <a:ext uri="{C183D7F6-B498-43B3-948B-1728B52AA6E4}">
-                    <adec:decorative xmlns:adec="http://schemas.microsoft.com/office/drawing/2017/decorative" xmlns="" val="1"/>
+                    <adec:decorative xmlns:adec="http://schemas.microsoft.com/office/drawing/2017/decorative" val="1"/>
                   </a:ext>
                 </a:extLst>
               </p:cNvPr>
@@ -37924,7 +37731,7 @@
                     <a16:creationId xmlns:a16="http://schemas.microsoft.com/office/drawing/2014/main" id="{51B97AF0-1974-42B9-B5FC-A332C52E8272}"/>
                   </a:ext>
                   <a:ext uri="{C183D7F6-B498-43B3-948B-1728B52AA6E4}">
-                    <adec:decorative xmlns:adec="http://schemas.microsoft.com/office/drawing/2017/decorative" xmlns="" val="1"/>
+                    <adec:decorative xmlns:adec="http://schemas.microsoft.com/office/drawing/2017/decorative" val="1"/>
                   </a:ext>
                 </a:extLst>
               </p:cNvPr>
@@ -38008,7 +37815,7 @@
                     <a16:creationId xmlns:a16="http://schemas.microsoft.com/office/drawing/2014/main" id="{95A298AD-BE5D-4BE1-8CDF-DBFB42D63FEB}"/>
                   </a:ext>
                   <a:ext uri="{C183D7F6-B498-43B3-948B-1728B52AA6E4}">
-                    <adec:decorative xmlns:adec="http://schemas.microsoft.com/office/drawing/2017/decorative" xmlns="" val="1"/>
+                    <adec:decorative xmlns:adec="http://schemas.microsoft.com/office/drawing/2017/decorative" val="1"/>
                   </a:ext>
                 </a:extLst>
               </p:cNvPr>
@@ -38524,7 +38331,7 @@
                 <a16:creationId xmlns:a16="http://schemas.microsoft.com/office/drawing/2014/main" id="{A5D0B0D3-D735-4619-AA45-B57B791E1744}"/>
               </a:ext>
               <a:ext uri="{C183D7F6-B498-43B3-948B-1728B52AA6E4}">
-                <adec:decorative xmlns:adec="http://schemas.microsoft.com/office/drawing/2017/decorative" xmlns="" val="1"/>
+                <adec:decorative xmlns:adec="http://schemas.microsoft.com/office/drawing/2017/decorative" val="1"/>
               </a:ext>
             </a:extLst>
           </p:cNvPr>
@@ -38599,7 +38406,7 @@
                 <a16:creationId xmlns:a16="http://schemas.microsoft.com/office/drawing/2014/main" id="{06B4C967-D337-479B-87CA-7587B7FCFF5E}"/>
               </a:ext>
               <a:ext uri="{C183D7F6-B498-43B3-948B-1728B52AA6E4}">
-                <adec:decorative xmlns:adec="http://schemas.microsoft.com/office/drawing/2017/decorative" xmlns="" val="1"/>
+                <adec:decorative xmlns:adec="http://schemas.microsoft.com/office/drawing/2017/decorative" val="1"/>
               </a:ext>
             </a:extLst>
           </p:cNvPr>
@@ -38633,7 +38440,7 @@
                   <a16:creationId xmlns:a16="http://schemas.microsoft.com/office/drawing/2014/main" id="{6EF1A9DB-7052-4254-8534-9AAED6F6B652}"/>
                 </a:ext>
                 <a:ext uri="{C183D7F6-B498-43B3-948B-1728B52AA6E4}">
-                  <adec:decorative xmlns:adec="http://schemas.microsoft.com/office/drawing/2017/decorative" xmlns="" val="1"/>
+                  <adec:decorative xmlns:adec="http://schemas.microsoft.com/office/drawing/2017/decorative" val="1"/>
                 </a:ext>
               </a:extLst>
             </p:cNvPr>
@@ -38704,7 +38511,7 @@
                   <a16:creationId xmlns:a16="http://schemas.microsoft.com/office/drawing/2014/main" id="{55D44775-F9E3-4142-8CDB-277AEF2F3880}"/>
                 </a:ext>
                 <a:ext uri="{C183D7F6-B498-43B3-948B-1728B52AA6E4}">
-                  <adec:decorative xmlns:adec="http://schemas.microsoft.com/office/drawing/2017/decorative" xmlns="" val="1"/>
+                  <adec:decorative xmlns:adec="http://schemas.microsoft.com/office/drawing/2017/decorative" val="1"/>
                 </a:ext>
               </a:extLst>
             </p:cNvPr>
@@ -38734,7 +38541,7 @@
                     <a16:creationId xmlns:a16="http://schemas.microsoft.com/office/drawing/2014/main" id="{93BB9C83-6DC3-450C-BFAD-0CB5EAD294F1}"/>
                   </a:ext>
                   <a:ext uri="{C183D7F6-B498-43B3-948B-1728B52AA6E4}">
-                    <adec:decorative xmlns:adec="http://schemas.microsoft.com/office/drawing/2017/decorative" xmlns="" val="1"/>
+                    <adec:decorative xmlns:adec="http://schemas.microsoft.com/office/drawing/2017/decorative" val="1"/>
                   </a:ext>
                 </a:extLst>
               </p:cNvPr>
@@ -38818,7 +38625,7 @@
                     <a16:creationId xmlns:a16="http://schemas.microsoft.com/office/drawing/2014/main" id="{4E01AF91-A65B-4AE1-96C9-4168BD8F900A}"/>
                   </a:ext>
                   <a:ext uri="{C183D7F6-B498-43B3-948B-1728B52AA6E4}">
-                    <adec:decorative xmlns:adec="http://schemas.microsoft.com/office/drawing/2017/decorative" xmlns="" val="1"/>
+                    <adec:decorative xmlns:adec="http://schemas.microsoft.com/office/drawing/2017/decorative" val="1"/>
                   </a:ext>
                 </a:extLst>
               </p:cNvPr>
@@ -38912,7 +38719,7 @@
                     <a16:creationId xmlns:a16="http://schemas.microsoft.com/office/drawing/2014/main" id="{0AD45C08-DFB9-441F-A901-BCB9B03058D7}"/>
                   </a:ext>
                   <a:ext uri="{C183D7F6-B498-43B3-948B-1728B52AA6E4}">
-                    <adec:decorative xmlns:adec="http://schemas.microsoft.com/office/drawing/2017/decorative" xmlns="" val="1"/>
+                    <adec:decorative xmlns:adec="http://schemas.microsoft.com/office/drawing/2017/decorative" val="1"/>
                   </a:ext>
                 </a:extLst>
               </p:cNvPr>
@@ -38996,7 +38803,7 @@
                     <a16:creationId xmlns:a16="http://schemas.microsoft.com/office/drawing/2014/main" id="{E05BEC0E-4EE4-42C4-BF0B-15F9AC518157}"/>
                   </a:ext>
                   <a:ext uri="{C183D7F6-B498-43B3-948B-1728B52AA6E4}">
-                    <adec:decorative xmlns:adec="http://schemas.microsoft.com/office/drawing/2017/decorative" xmlns="" val="1"/>
+                    <adec:decorative xmlns:adec="http://schemas.microsoft.com/office/drawing/2017/decorative" val="1"/>
                   </a:ext>
                 </a:extLst>
               </p:cNvPr>
@@ -39512,7 +39319,7 @@
                 <a16:creationId xmlns:a16="http://schemas.microsoft.com/office/drawing/2014/main" id="{752C2BA4-3BBE-4D22-A0D9-8D2A7B8F1C71}"/>
               </a:ext>
               <a:ext uri="{C183D7F6-B498-43B3-948B-1728B52AA6E4}">
-                <adec:decorative xmlns:adec="http://schemas.microsoft.com/office/drawing/2017/decorative" xmlns="" val="1"/>
+                <adec:decorative xmlns:adec="http://schemas.microsoft.com/office/drawing/2017/decorative" val="1"/>
               </a:ext>
             </a:extLst>
           </p:cNvPr>
@@ -39672,7 +39479,7 @@
                 <a16:creationId xmlns:a16="http://schemas.microsoft.com/office/drawing/2014/main" id="{82AA7049-B18D-49D6-AD7D-DBB9E19FBB78}"/>
               </a:ext>
               <a:ext uri="{C183D7F6-B498-43B3-948B-1728B52AA6E4}">
-                <adec:decorative xmlns:adec="http://schemas.microsoft.com/office/drawing/2017/decorative" xmlns="" val="1"/>
+                <adec:decorative xmlns:adec="http://schemas.microsoft.com/office/drawing/2017/decorative" val="1"/>
               </a:ext>
             </a:extLst>
           </p:cNvPr>
@@ -39821,7 +39628,7 @@
                 <a16:creationId xmlns:a16="http://schemas.microsoft.com/office/drawing/2014/main" id="{3850DB66-16D1-4953-A6E3-FCA3DC5F276F}"/>
               </a:ext>
               <a:ext uri="{C183D7F6-B498-43B3-948B-1728B52AA6E4}">
-                <adec:decorative xmlns:adec="http://schemas.microsoft.com/office/drawing/2017/decorative" xmlns="" val="1"/>
+                <adec:decorative xmlns:adec="http://schemas.microsoft.com/office/drawing/2017/decorative" val="1"/>
               </a:ext>
             </a:extLst>
           </p:cNvPr>
@@ -39855,7 +39662,7 @@
                   <a16:creationId xmlns:a16="http://schemas.microsoft.com/office/drawing/2014/main" id="{D698AB2F-1D17-4249-81CB-9A41D46B8E38}"/>
                 </a:ext>
                 <a:ext uri="{C183D7F6-B498-43B3-948B-1728B52AA6E4}">
-                  <adec:decorative xmlns:adec="http://schemas.microsoft.com/office/drawing/2017/decorative" xmlns="" val="1"/>
+                  <adec:decorative xmlns:adec="http://schemas.microsoft.com/office/drawing/2017/decorative" val="1"/>
                 </a:ext>
               </a:extLst>
             </p:cNvPr>
@@ -40022,7 +39829,7 @@
                   <a16:creationId xmlns:a16="http://schemas.microsoft.com/office/drawing/2014/main" id="{F5301961-8687-4ADB-8043-4065F4707647}"/>
                 </a:ext>
                 <a:ext uri="{C183D7F6-B498-43B3-948B-1728B52AA6E4}">
-                  <adec:decorative xmlns:adec="http://schemas.microsoft.com/office/drawing/2017/decorative" xmlns="" val="1"/>
+                  <adec:decorative xmlns:adec="http://schemas.microsoft.com/office/drawing/2017/decorative" val="1"/>
                 </a:ext>
               </a:extLst>
             </p:cNvPr>
@@ -40179,7 +39986,7 @@
                   <a16:creationId xmlns:a16="http://schemas.microsoft.com/office/drawing/2014/main" id="{9DC20816-893A-4201-AA91-22F71E46F941}"/>
                 </a:ext>
                 <a:ext uri="{C183D7F6-B498-43B3-948B-1728B52AA6E4}">
-                  <adec:decorative xmlns:adec="http://schemas.microsoft.com/office/drawing/2017/decorative" xmlns="" val="1"/>
+                  <adec:decorative xmlns:adec="http://schemas.microsoft.com/office/drawing/2017/decorative" val="1"/>
                 </a:ext>
               </a:extLst>
             </p:cNvPr>
@@ -40311,7 +40118,7 @@
                   <a16:creationId xmlns:a16="http://schemas.microsoft.com/office/drawing/2014/main" id="{866D1F4E-BA21-44F3-A97A-E979C5FE781A}"/>
                 </a:ext>
                 <a:ext uri="{C183D7F6-B498-43B3-948B-1728B52AA6E4}">
-                  <adec:decorative xmlns:adec="http://schemas.microsoft.com/office/drawing/2017/decorative" xmlns="" val="1"/>
+                  <adec:decorative xmlns:adec="http://schemas.microsoft.com/office/drawing/2017/decorative" val="1"/>
                 </a:ext>
               </a:extLst>
             </p:cNvPr>
@@ -40443,7 +40250,7 @@
                   <a16:creationId xmlns:a16="http://schemas.microsoft.com/office/drawing/2014/main" id="{B35EADCB-1DB5-4B69-892B-14567F5280EF}"/>
                 </a:ext>
                 <a:ext uri="{C183D7F6-B498-43B3-948B-1728B52AA6E4}">
-                  <adec:decorative xmlns:adec="http://schemas.microsoft.com/office/drawing/2017/decorative" xmlns="" val="1"/>
+                  <adec:decorative xmlns:adec="http://schemas.microsoft.com/office/drawing/2017/decorative" val="1"/>
                 </a:ext>
               </a:extLst>
             </p:cNvPr>
@@ -40744,7 +40551,7 @@
                 <a16:creationId xmlns:a16="http://schemas.microsoft.com/office/drawing/2014/main" id="{435959F4-53DA-47FF-BC24-1E5B75C69876}"/>
               </a:ext>
               <a:ext uri="{C183D7F6-B498-43B3-948B-1728B52AA6E4}">
-                <adec:decorative xmlns:adec="http://schemas.microsoft.com/office/drawing/2017/decorative" xmlns="" val="1"/>
+                <adec:decorative xmlns:adec="http://schemas.microsoft.com/office/drawing/2017/decorative" val="1"/>
               </a:ext>
             </a:extLst>
           </p:cNvPr>
@@ -40904,7 +40711,7 @@
                 <a16:creationId xmlns:a16="http://schemas.microsoft.com/office/drawing/2014/main" id="{A7CF83E8-F6F0-41E3-B580-7412A04DDFB5}"/>
               </a:ext>
               <a:ext uri="{C183D7F6-B498-43B3-948B-1728B52AA6E4}">
-                <adec:decorative xmlns:adec="http://schemas.microsoft.com/office/drawing/2017/decorative" xmlns="" val="1"/>
+                <adec:decorative xmlns:adec="http://schemas.microsoft.com/office/drawing/2017/decorative" val="1"/>
               </a:ext>
             </a:extLst>
           </p:cNvPr>
@@ -40938,7 +40745,7 @@
                   <a16:creationId xmlns:a16="http://schemas.microsoft.com/office/drawing/2014/main" id="{1A0B6DBB-705D-48D0-842C-F9DFA7684D19}"/>
                 </a:ext>
                 <a:ext uri="{C183D7F6-B498-43B3-948B-1728B52AA6E4}">
-                  <adec:decorative xmlns:adec="http://schemas.microsoft.com/office/drawing/2017/decorative" xmlns="" val="1"/>
+                  <adec:decorative xmlns:adec="http://schemas.microsoft.com/office/drawing/2017/decorative" val="1"/>
                 </a:ext>
               </a:extLst>
             </p:cNvPr>
@@ -41105,7 +40912,7 @@
                   <a16:creationId xmlns:a16="http://schemas.microsoft.com/office/drawing/2014/main" id="{C194A764-16E1-4D0D-9357-76F80E6086C0}"/>
                 </a:ext>
                 <a:ext uri="{C183D7F6-B498-43B3-948B-1728B52AA6E4}">
-                  <adec:decorative xmlns:adec="http://schemas.microsoft.com/office/drawing/2017/decorative" xmlns="" val="1"/>
+                  <adec:decorative xmlns:adec="http://schemas.microsoft.com/office/drawing/2017/decorative" val="1"/>
                 </a:ext>
               </a:extLst>
             </p:cNvPr>
@@ -41282,7 +41089,7 @@
                   <a16:creationId xmlns:a16="http://schemas.microsoft.com/office/drawing/2014/main" id="{115B7F3F-A40D-4F24-8536-E2420B433211}"/>
                 </a:ext>
                 <a:ext uri="{C183D7F6-B498-43B3-948B-1728B52AA6E4}">
-                  <adec:decorative xmlns:adec="http://schemas.microsoft.com/office/drawing/2017/decorative" xmlns="" val="1"/>
+                  <adec:decorative xmlns:adec="http://schemas.microsoft.com/office/drawing/2017/decorative" val="1"/>
                 </a:ext>
               </a:extLst>
             </p:cNvPr>
@@ -41439,7 +41246,7 @@
                   <a16:creationId xmlns:a16="http://schemas.microsoft.com/office/drawing/2014/main" id="{CEF42844-A829-4ED2-A360-63BB2A7C45EE}"/>
                 </a:ext>
                 <a:ext uri="{C183D7F6-B498-43B3-948B-1728B52AA6E4}">
-                  <adec:decorative xmlns:adec="http://schemas.microsoft.com/office/drawing/2017/decorative" xmlns="" val="1"/>
+                  <adec:decorative xmlns:adec="http://schemas.microsoft.com/office/drawing/2017/decorative" val="1"/>
                 </a:ext>
               </a:extLst>
             </p:cNvPr>
@@ -41572,7 +41379,7 @@
                   <a16:creationId xmlns:a16="http://schemas.microsoft.com/office/drawing/2014/main" id="{57B23B52-A1C3-44EF-BC11-9094A0DA11AB}"/>
                 </a:ext>
                 <a:ext uri="{C183D7F6-B498-43B3-948B-1728B52AA6E4}">
-                  <adec:decorative xmlns:adec="http://schemas.microsoft.com/office/drawing/2017/decorative" xmlns="" val="1"/>
+                  <adec:decorative xmlns:adec="http://schemas.microsoft.com/office/drawing/2017/decorative" val="1"/>
                 </a:ext>
               </a:extLst>
             </p:cNvPr>
@@ -41704,7 +41511,7 @@
                   <a16:creationId xmlns:a16="http://schemas.microsoft.com/office/drawing/2014/main" id="{064E08E5-DA92-4CF2-A0BF-E341800227B2}"/>
                 </a:ext>
                 <a:ext uri="{C183D7F6-B498-43B3-948B-1728B52AA6E4}">
-                  <adec:decorative xmlns:adec="http://schemas.microsoft.com/office/drawing/2017/decorative" xmlns="" val="1"/>
+                  <adec:decorative xmlns:adec="http://schemas.microsoft.com/office/drawing/2017/decorative" val="1"/>
                 </a:ext>
               </a:extLst>
             </p:cNvPr>
@@ -41836,7 +41643,7 @@
                   <a16:creationId xmlns:a16="http://schemas.microsoft.com/office/drawing/2014/main" id="{7A222560-E657-4CAE-B667-7BE9E224B244}"/>
                 </a:ext>
                 <a:ext uri="{C183D7F6-B498-43B3-948B-1728B52AA6E4}">
-                  <adec:decorative xmlns:adec="http://schemas.microsoft.com/office/drawing/2017/decorative" xmlns="" val="1"/>
+                  <adec:decorative xmlns:adec="http://schemas.microsoft.com/office/drawing/2017/decorative" val="1"/>
                 </a:ext>
               </a:extLst>
             </p:cNvPr>
@@ -42005,7 +41812,7 @@
                 <a16:creationId xmlns:a16="http://schemas.microsoft.com/office/drawing/2014/main" id="{59226104-0061-4319-8237-9C001BF85D49}"/>
               </a:ext>
               <a:ext uri="{C183D7F6-B498-43B3-948B-1728B52AA6E4}">
-                <adec:decorative xmlns:adec="http://schemas.microsoft.com/office/drawing/2017/decorative" xmlns="" val="1"/>
+                <adec:decorative xmlns:adec="http://schemas.microsoft.com/office/drawing/2017/decorative" val="1"/>
               </a:ext>
             </a:extLst>
           </p:cNvPr>
@@ -42155,7 +41962,7 @@
                 <a16:creationId xmlns:a16="http://schemas.microsoft.com/office/drawing/2014/main" id="{51B01909-73B8-4486-A749-C643B1D7E361}"/>
               </a:ext>
               <a:ext uri="{C183D7F6-B498-43B3-948B-1728B52AA6E4}">
-                <adec:decorative xmlns:adec="http://schemas.microsoft.com/office/drawing/2017/decorative" xmlns="" val="1"/>
+                <adec:decorative xmlns:adec="http://schemas.microsoft.com/office/drawing/2017/decorative" val="1"/>
               </a:ext>
             </a:extLst>
           </p:cNvPr>
@@ -42189,7 +41996,7 @@
                   <a16:creationId xmlns:a16="http://schemas.microsoft.com/office/drawing/2014/main" id="{5E279D86-4533-45F1-B0AA-D237399A5ED5}"/>
                 </a:ext>
                 <a:ext uri="{C183D7F6-B498-43B3-948B-1728B52AA6E4}">
-                  <adec:decorative xmlns:adec="http://schemas.microsoft.com/office/drawing/2017/decorative" xmlns="" val="1"/>
+                  <adec:decorative xmlns:adec="http://schemas.microsoft.com/office/drawing/2017/decorative" val="1"/>
                 </a:ext>
               </a:extLst>
             </p:cNvPr>
@@ -42260,7 +42067,7 @@
                   <a16:creationId xmlns:a16="http://schemas.microsoft.com/office/drawing/2014/main" id="{764FD722-CB31-4326-ADD8-CBA52FD1FF59}"/>
                 </a:ext>
                 <a:ext uri="{C183D7F6-B498-43B3-948B-1728B52AA6E4}">
-                  <adec:decorative xmlns:adec="http://schemas.microsoft.com/office/drawing/2017/decorative" xmlns="" val="1"/>
+                  <adec:decorative xmlns:adec="http://schemas.microsoft.com/office/drawing/2017/decorative" val="1"/>
                 </a:ext>
               </a:extLst>
             </p:cNvPr>
@@ -42290,7 +42097,7 @@
                     <a16:creationId xmlns:a16="http://schemas.microsoft.com/office/drawing/2014/main" id="{24E4BCEC-8B0A-444E-8509-1B3BB0449E5B}"/>
                   </a:ext>
                   <a:ext uri="{C183D7F6-B498-43B3-948B-1728B52AA6E4}">
-                    <adec:decorative xmlns:adec="http://schemas.microsoft.com/office/drawing/2017/decorative" xmlns="" val="1"/>
+                    <adec:decorative xmlns:adec="http://schemas.microsoft.com/office/drawing/2017/decorative" val="1"/>
                   </a:ext>
                 </a:extLst>
               </p:cNvPr>
@@ -42374,7 +42181,7 @@
                     <a16:creationId xmlns:a16="http://schemas.microsoft.com/office/drawing/2014/main" id="{9DB36622-1DC7-4B17-8984-588BA8999FF6}"/>
                   </a:ext>
                   <a:ext uri="{C183D7F6-B498-43B3-948B-1728B52AA6E4}">
-                    <adec:decorative xmlns:adec="http://schemas.microsoft.com/office/drawing/2017/decorative" xmlns="" val="1"/>
+                    <adec:decorative xmlns:adec="http://schemas.microsoft.com/office/drawing/2017/decorative" val="1"/>
                   </a:ext>
                 </a:extLst>
               </p:cNvPr>
@@ -42468,7 +42275,7 @@
                     <a16:creationId xmlns:a16="http://schemas.microsoft.com/office/drawing/2014/main" id="{51B97AF0-1974-42B9-B5FC-A332C52E8272}"/>
                   </a:ext>
                   <a:ext uri="{C183D7F6-B498-43B3-948B-1728B52AA6E4}">
-                    <adec:decorative xmlns:adec="http://schemas.microsoft.com/office/drawing/2017/decorative" xmlns="" val="1"/>
+                    <adec:decorative xmlns:adec="http://schemas.microsoft.com/office/drawing/2017/decorative" val="1"/>
                   </a:ext>
                 </a:extLst>
               </p:cNvPr>
@@ -42552,7 +42359,7 @@
                     <a16:creationId xmlns:a16="http://schemas.microsoft.com/office/drawing/2014/main" id="{95A298AD-BE5D-4BE1-8CDF-DBFB42D63FEB}"/>
                   </a:ext>
                   <a:ext uri="{C183D7F6-B498-43B3-948B-1728B52AA6E4}">
-                    <adec:decorative xmlns:adec="http://schemas.microsoft.com/office/drawing/2017/decorative" xmlns="" val="1"/>
+                    <adec:decorative xmlns:adec="http://schemas.microsoft.com/office/drawing/2017/decorative" val="1"/>
                   </a:ext>
                 </a:extLst>
               </p:cNvPr>
@@ -43068,7 +42875,7 @@
                 <a16:creationId xmlns:a16="http://schemas.microsoft.com/office/drawing/2014/main" id="{A5D0B0D3-D735-4619-AA45-B57B791E1744}"/>
               </a:ext>
               <a:ext uri="{C183D7F6-B498-43B3-948B-1728B52AA6E4}">
-                <adec:decorative xmlns:adec="http://schemas.microsoft.com/office/drawing/2017/decorative" xmlns="" val="1"/>
+                <adec:decorative xmlns:adec="http://schemas.microsoft.com/office/drawing/2017/decorative" val="1"/>
               </a:ext>
             </a:extLst>
           </p:cNvPr>
@@ -43143,7 +42950,7 @@
                 <a16:creationId xmlns:a16="http://schemas.microsoft.com/office/drawing/2014/main" id="{06B4C967-D337-479B-87CA-7587B7FCFF5E}"/>
               </a:ext>
               <a:ext uri="{C183D7F6-B498-43B3-948B-1728B52AA6E4}">
-                <adec:decorative xmlns:adec="http://schemas.microsoft.com/office/drawing/2017/decorative" xmlns="" val="1"/>
+                <adec:decorative xmlns:adec="http://schemas.microsoft.com/office/drawing/2017/decorative" val="1"/>
               </a:ext>
             </a:extLst>
           </p:cNvPr>
@@ -43177,7 +42984,7 @@
                   <a16:creationId xmlns:a16="http://schemas.microsoft.com/office/drawing/2014/main" id="{6EF1A9DB-7052-4254-8534-9AAED6F6B652}"/>
                 </a:ext>
                 <a:ext uri="{C183D7F6-B498-43B3-948B-1728B52AA6E4}">
-                  <adec:decorative xmlns:adec="http://schemas.microsoft.com/office/drawing/2017/decorative" xmlns="" val="1"/>
+                  <adec:decorative xmlns:adec="http://schemas.microsoft.com/office/drawing/2017/decorative" val="1"/>
                 </a:ext>
               </a:extLst>
             </p:cNvPr>
@@ -43248,7 +43055,7 @@
                   <a16:creationId xmlns:a16="http://schemas.microsoft.com/office/drawing/2014/main" id="{55D44775-F9E3-4142-8CDB-277AEF2F3880}"/>
                 </a:ext>
                 <a:ext uri="{C183D7F6-B498-43B3-948B-1728B52AA6E4}">
-                  <adec:decorative xmlns:adec="http://schemas.microsoft.com/office/drawing/2017/decorative" xmlns="" val="1"/>
+                  <adec:decorative xmlns:adec="http://schemas.microsoft.com/office/drawing/2017/decorative" val="1"/>
                 </a:ext>
               </a:extLst>
             </p:cNvPr>
@@ -43278,7 +43085,7 @@
                     <a16:creationId xmlns:a16="http://schemas.microsoft.com/office/drawing/2014/main" id="{93BB9C83-6DC3-450C-BFAD-0CB5EAD294F1}"/>
                   </a:ext>
                   <a:ext uri="{C183D7F6-B498-43B3-948B-1728B52AA6E4}">
-                    <adec:decorative xmlns:adec="http://schemas.microsoft.com/office/drawing/2017/decorative" xmlns="" val="1"/>
+                    <adec:decorative xmlns:adec="http://schemas.microsoft.com/office/drawing/2017/decorative" val="1"/>
                   </a:ext>
                 </a:extLst>
               </p:cNvPr>
@@ -43362,7 +43169,7 @@
                     <a16:creationId xmlns:a16="http://schemas.microsoft.com/office/drawing/2014/main" id="{4E01AF91-A65B-4AE1-96C9-4168BD8F900A}"/>
                   </a:ext>
                   <a:ext uri="{C183D7F6-B498-43B3-948B-1728B52AA6E4}">
-                    <adec:decorative xmlns:adec="http://schemas.microsoft.com/office/drawing/2017/decorative" xmlns="" val="1"/>
+                    <adec:decorative xmlns:adec="http://schemas.microsoft.com/office/drawing/2017/decorative" val="1"/>
                   </a:ext>
                 </a:extLst>
               </p:cNvPr>
@@ -43456,7 +43263,7 @@
                     <a16:creationId xmlns:a16="http://schemas.microsoft.com/office/drawing/2014/main" id="{0AD45C08-DFB9-441F-A901-BCB9B03058D7}"/>
                   </a:ext>
                   <a:ext uri="{C183D7F6-B498-43B3-948B-1728B52AA6E4}">
-                    <adec:decorative xmlns:adec="http://schemas.microsoft.com/office/drawing/2017/decorative" xmlns="" val="1"/>
+                    <adec:decorative xmlns:adec="http://schemas.microsoft.com/office/drawing/2017/decorative" val="1"/>
                   </a:ext>
                 </a:extLst>
               </p:cNvPr>
@@ -43540,7 +43347,7 @@
                     <a16:creationId xmlns:a16="http://schemas.microsoft.com/office/drawing/2014/main" id="{E05BEC0E-4EE4-42C4-BF0B-15F9AC518157}"/>
                   </a:ext>
                   <a:ext uri="{C183D7F6-B498-43B3-948B-1728B52AA6E4}">
-                    <adec:decorative xmlns:adec="http://schemas.microsoft.com/office/drawing/2017/decorative" xmlns="" val="1"/>
+                    <adec:decorative xmlns:adec="http://schemas.microsoft.com/office/drawing/2017/decorative" val="1"/>
                   </a:ext>
                 </a:extLst>
               </p:cNvPr>
@@ -44056,7 +43863,7 @@
                 <a16:creationId xmlns:a16="http://schemas.microsoft.com/office/drawing/2014/main" id="{752C2BA4-3BBE-4D22-A0D9-8D2A7B8F1C71}"/>
               </a:ext>
               <a:ext uri="{C183D7F6-B498-43B3-948B-1728B52AA6E4}">
-                <adec:decorative xmlns:adec="http://schemas.microsoft.com/office/drawing/2017/decorative" xmlns="" val="1"/>
+                <adec:decorative xmlns:adec="http://schemas.microsoft.com/office/drawing/2017/decorative" val="1"/>
               </a:ext>
             </a:extLst>
           </p:cNvPr>
@@ -44247,7 +44054,7 @@
                 <a16:creationId xmlns:a16="http://schemas.microsoft.com/office/drawing/2014/main" id="{82AA7049-B18D-49D6-AD7D-DBB9E19FBB78}"/>
               </a:ext>
               <a:ext uri="{C183D7F6-B498-43B3-948B-1728B52AA6E4}">
-                <adec:decorative xmlns:adec="http://schemas.microsoft.com/office/drawing/2017/decorative" xmlns="" val="1"/>
+                <adec:decorative xmlns:adec="http://schemas.microsoft.com/office/drawing/2017/decorative" val="1"/>
               </a:ext>
             </a:extLst>
           </p:cNvPr>
@@ -44396,7 +44203,7 @@
                 <a16:creationId xmlns:a16="http://schemas.microsoft.com/office/drawing/2014/main" id="{3850DB66-16D1-4953-A6E3-FCA3DC5F276F}"/>
               </a:ext>
               <a:ext uri="{C183D7F6-B498-43B3-948B-1728B52AA6E4}">
-                <adec:decorative xmlns:adec="http://schemas.microsoft.com/office/drawing/2017/decorative" xmlns="" val="1"/>
+                <adec:decorative xmlns:adec="http://schemas.microsoft.com/office/drawing/2017/decorative" val="1"/>
               </a:ext>
             </a:extLst>
           </p:cNvPr>
@@ -44430,7 +44237,7 @@
                   <a16:creationId xmlns:a16="http://schemas.microsoft.com/office/drawing/2014/main" id="{D698AB2F-1D17-4249-81CB-9A41D46B8E38}"/>
                 </a:ext>
                 <a:ext uri="{C183D7F6-B498-43B3-948B-1728B52AA6E4}">
-                  <adec:decorative xmlns:adec="http://schemas.microsoft.com/office/drawing/2017/decorative" xmlns="" val="1"/>
+                  <adec:decorative xmlns:adec="http://schemas.microsoft.com/office/drawing/2017/decorative" val="1"/>
                 </a:ext>
               </a:extLst>
             </p:cNvPr>
@@ -44597,7 +44404,7 @@
                   <a16:creationId xmlns:a16="http://schemas.microsoft.com/office/drawing/2014/main" id="{F5301961-8687-4ADB-8043-4065F4707647}"/>
                 </a:ext>
                 <a:ext uri="{C183D7F6-B498-43B3-948B-1728B52AA6E4}">
-                  <adec:decorative xmlns:adec="http://schemas.microsoft.com/office/drawing/2017/decorative" xmlns="" val="1"/>
+                  <adec:decorative xmlns:adec="http://schemas.microsoft.com/office/drawing/2017/decorative" val="1"/>
                 </a:ext>
               </a:extLst>
             </p:cNvPr>
@@ -44754,7 +44561,7 @@
                   <a16:creationId xmlns:a16="http://schemas.microsoft.com/office/drawing/2014/main" id="{9DC20816-893A-4201-AA91-22F71E46F941}"/>
                 </a:ext>
                 <a:ext uri="{C183D7F6-B498-43B3-948B-1728B52AA6E4}">
-                  <adec:decorative xmlns:adec="http://schemas.microsoft.com/office/drawing/2017/decorative" xmlns="" val="1"/>
+                  <adec:decorative xmlns:adec="http://schemas.microsoft.com/office/drawing/2017/decorative" val="1"/>
                 </a:ext>
               </a:extLst>
             </p:cNvPr>
@@ -44886,7 +44693,7 @@
                   <a16:creationId xmlns:a16="http://schemas.microsoft.com/office/drawing/2014/main" id="{866D1F4E-BA21-44F3-A97A-E979C5FE781A}"/>
                 </a:ext>
                 <a:ext uri="{C183D7F6-B498-43B3-948B-1728B52AA6E4}">
-                  <adec:decorative xmlns:adec="http://schemas.microsoft.com/office/drawing/2017/decorative" xmlns="" val="1"/>
+                  <adec:decorative xmlns:adec="http://schemas.microsoft.com/office/drawing/2017/decorative" val="1"/>
                 </a:ext>
               </a:extLst>
             </p:cNvPr>
@@ -45018,7 +44825,7 @@
                   <a16:creationId xmlns:a16="http://schemas.microsoft.com/office/drawing/2014/main" id="{B35EADCB-1DB5-4B69-892B-14567F5280EF}"/>
                 </a:ext>
                 <a:ext uri="{C183D7F6-B498-43B3-948B-1728B52AA6E4}">
-                  <adec:decorative xmlns:adec="http://schemas.microsoft.com/office/drawing/2017/decorative" xmlns="" val="1"/>
+                  <adec:decorative xmlns:adec="http://schemas.microsoft.com/office/drawing/2017/decorative" val="1"/>
                 </a:ext>
               </a:extLst>
             </p:cNvPr>
